--- a/Presentation1.pptx
+++ b/Presentation1.pptx
@@ -12,13 +12,14 @@
     <p:sldId id="258" r:id="rId6"/>
     <p:sldId id="259" r:id="rId7"/>
     <p:sldId id="261" r:id="rId8"/>
-    <p:sldId id="271" r:id="rId9"/>
-    <p:sldId id="262" r:id="rId10"/>
+    <p:sldId id="262" r:id="rId9"/>
+    <p:sldId id="271" r:id="rId10"/>
     <p:sldId id="263" r:id="rId11"/>
     <p:sldId id="264" r:id="rId12"/>
     <p:sldId id="266" r:id="rId13"/>
     <p:sldId id="267" r:id="rId14"/>
-    <p:sldId id="265" r:id="rId15"/>
+    <p:sldId id="273" r:id="rId15"/>
+    <p:sldId id="274" r:id="rId16"/>
   </p:sldIdLst>
   <p:sldSz cx="12192000" cy="6858000"/>
   <p:notesSz cx="6858000" cy="9144000"/>
@@ -1427,9 +1428,9 @@
           <a:lstStyle/>
           <a:p>
             <a:pPr>
-              <a:defRPr sz="1400"/>
+              <a:defRPr sz="1600" b="1"/>
             </a:pPr>
-            <a:endParaRPr lang="en-US" sz="1400"/>
+            <a:endParaRPr lang="en-US" sz="1600" b="1"/>
           </a:p>
         </cx:txPr>
       </cx:axis>
@@ -2055,7 +2056,7 @@
           <a:p>
             <a:fld id="{40F328BA-98AD-4AFA-80D4-08F55E6E574F}" type="datetimeFigureOut">
               <a:rPr lang="en-US" smtClean="0"/>
-              <a:t>2/1/2016</a:t>
+              <a:t>2/2/2016</a:t>
             </a:fld>
             <a:endParaRPr lang="en-US" dirty="0"/>
           </a:p>
@@ -2225,7 +2226,7 @@
           <a:p>
             <a:fld id="{40F328BA-98AD-4AFA-80D4-08F55E6E574F}" type="datetimeFigureOut">
               <a:rPr lang="en-US" smtClean="0"/>
-              <a:t>2/1/2016</a:t>
+              <a:t>2/2/2016</a:t>
             </a:fld>
             <a:endParaRPr lang="en-US" dirty="0"/>
           </a:p>
@@ -2405,7 +2406,7 @@
           <a:p>
             <a:fld id="{40F328BA-98AD-4AFA-80D4-08F55E6E574F}" type="datetimeFigureOut">
               <a:rPr lang="en-US" smtClean="0"/>
-              <a:t>2/1/2016</a:t>
+              <a:t>2/2/2016</a:t>
             </a:fld>
             <a:endParaRPr lang="en-US" dirty="0"/>
           </a:p>
@@ -2663,7 +2664,7 @@
           <a:p>
             <a:fld id="{40F328BA-98AD-4AFA-80D4-08F55E6E574F}" type="datetimeFigureOut">
               <a:rPr lang="en-US" smtClean="0"/>
-              <a:t>2/1/2016</a:t>
+              <a:t>2/2/2016</a:t>
             </a:fld>
             <a:endParaRPr lang="en-US" dirty="0"/>
           </a:p>
@@ -2909,7 +2910,7 @@
           <a:p>
             <a:fld id="{40F328BA-98AD-4AFA-80D4-08F55E6E574F}" type="datetimeFigureOut">
               <a:rPr lang="en-US" smtClean="0"/>
-              <a:t>2/1/2016</a:t>
+              <a:t>2/2/2016</a:t>
             </a:fld>
             <a:endParaRPr lang="en-US" dirty="0"/>
           </a:p>
@@ -3141,7 +3142,7 @@
           <a:p>
             <a:fld id="{40F328BA-98AD-4AFA-80D4-08F55E6E574F}" type="datetimeFigureOut">
               <a:rPr lang="en-US" smtClean="0"/>
-              <a:t>2/1/2016</a:t>
+              <a:t>2/2/2016</a:t>
             </a:fld>
             <a:endParaRPr lang="en-US" dirty="0"/>
           </a:p>
@@ -3508,7 +3509,7 @@
           <a:p>
             <a:fld id="{40F328BA-98AD-4AFA-80D4-08F55E6E574F}" type="datetimeFigureOut">
               <a:rPr lang="en-US" smtClean="0"/>
-              <a:t>2/1/2016</a:t>
+              <a:t>2/2/2016</a:t>
             </a:fld>
             <a:endParaRPr lang="en-US" dirty="0"/>
           </a:p>
@@ -3626,7 +3627,7 @@
           <a:p>
             <a:fld id="{40F328BA-98AD-4AFA-80D4-08F55E6E574F}" type="datetimeFigureOut">
               <a:rPr lang="en-US" smtClean="0"/>
-              <a:t>2/1/2016</a:t>
+              <a:t>2/2/2016</a:t>
             </a:fld>
             <a:endParaRPr lang="en-US" dirty="0"/>
           </a:p>
@@ -3721,7 +3722,7 @@
           <a:p>
             <a:fld id="{40F328BA-98AD-4AFA-80D4-08F55E6E574F}" type="datetimeFigureOut">
               <a:rPr lang="en-US" smtClean="0"/>
-              <a:t>2/1/2016</a:t>
+              <a:t>2/2/2016</a:t>
             </a:fld>
             <a:endParaRPr lang="en-US" dirty="0"/>
           </a:p>
@@ -3998,7 +3999,7 @@
           <a:p>
             <a:fld id="{40F328BA-98AD-4AFA-80D4-08F55E6E574F}" type="datetimeFigureOut">
               <a:rPr lang="en-US" smtClean="0"/>
-              <a:t>2/1/2016</a:t>
+              <a:t>2/2/2016</a:t>
             </a:fld>
             <a:endParaRPr lang="en-US" dirty="0"/>
           </a:p>
@@ -4251,7 +4252,7 @@
           <a:p>
             <a:fld id="{40F328BA-98AD-4AFA-80D4-08F55E6E574F}" type="datetimeFigureOut">
               <a:rPr lang="en-US" smtClean="0"/>
-              <a:t>2/1/2016</a:t>
+              <a:t>2/2/2016</a:t>
             </a:fld>
             <a:endParaRPr lang="en-US" dirty="0"/>
           </a:p>
@@ -4464,7 +4465,7 @@
           <a:p>
             <a:fld id="{40F328BA-98AD-4AFA-80D4-08F55E6E574F}" type="datetimeFigureOut">
               <a:rPr lang="en-US" smtClean="0"/>
-              <a:t>2/1/2016</a:t>
+              <a:t>2/2/2016</a:t>
             </a:fld>
             <a:endParaRPr lang="en-US" dirty="0"/>
           </a:p>
@@ -5008,6 +5009,14 @@
   <p:clrMapOvr>
     <a:masterClrMapping/>
   </p:clrMapOvr>
+  <mc:AlternateContent xmlns:mc="http://schemas.openxmlformats.org/markup-compatibility/2006">
+    <mc:Choice xmlns:p14="http://schemas.microsoft.com/office/powerpoint/2010/main" Requires="p14">
+      <p:transition p14:dur="0"/>
+    </mc:Choice>
+    <mc:Fallback>
+      <p:transition/>
+    </mc:Fallback>
+  </mc:AlternateContent>
   <p:timing>
     <p:tnLst>
       <p:par>
@@ -5135,8 +5144,12 @@
           </a:lstStyle>
           <a:p>
             <a:r>
-              <a:rPr lang="en-US" dirty="0"/>
-              <a:t>Visualization – Most Frequent words</a:t>
+              <a:rPr lang="en-US" b="1" dirty="0" smtClean="0"/>
+              <a:t>Most </a:t>
+            </a:r>
+            <a:r>
+              <a:rPr lang="en-US" b="1" dirty="0"/>
+              <a:t>Frequent words</a:t>
             </a:r>
           </a:p>
         </p:txBody>
@@ -5558,52 +5571,258 @@
       </p:grpSpPr>
       <p:sp>
         <p:nvSpPr>
-          <p:cNvPr id="2" name="Title 1"/>
-          <p:cNvSpPr>
-            <a:spLocks noGrp="1"/>
-          </p:cNvSpPr>
-          <p:nvPr>
-            <p:ph type="title"/>
-          </p:nvPr>
+          <p:cNvPr id="12" name="矩形 11"/>
+          <p:cNvSpPr/>
+          <p:nvPr/>
         </p:nvSpPr>
-        <p:spPr/>
+        <p:spPr>
+          <a:xfrm>
+            <a:off x="825024" y="2912244"/>
+            <a:ext cx="9194055" cy="1107996"/>
+          </a:xfrm>
+          <a:prstGeom prst="rect">
+            <a:avLst/>
+          </a:prstGeom>
+          <a:noFill/>
+        </p:spPr>
         <p:txBody>
-          <a:bodyPr/>
+          <a:bodyPr wrap="none">
+            <a:spAutoFit/>
+          </a:bodyPr>
           <a:lstStyle/>
           <a:p>
-            <a:endParaRPr lang="en-US"/>
-          </a:p>
-        </p:txBody>
-      </p:sp>
-      <p:sp>
-        <p:nvSpPr>
-          <p:cNvPr id="3" name="Content Placeholder 2"/>
-          <p:cNvSpPr>
-            <a:spLocks noGrp="1"/>
-          </p:cNvSpPr>
-          <p:nvPr>
-            <p:ph idx="1"/>
-          </p:nvPr>
-        </p:nvSpPr>
-        <p:spPr/>
-        <p:txBody>
-          <a:bodyPr/>
-          <a:lstStyle/>
-          <a:p>
-            <a:endParaRPr lang="en-US"/>
+            <a:r>
+              <a:rPr lang="en-US" altLang="zh-CN" sz="6600" b="1" dirty="0" smtClean="0">
+                <a:effectLst>
+                  <a:outerShdw blurRad="38100" dist="38100" dir="2700000" algn="tl">
+                    <a:srgbClr val="000000">
+                      <a:alpha val="43137"/>
+                    </a:srgbClr>
+                  </a:outerShdw>
+                </a:effectLst>
+              </a:rPr>
+              <a:t>There’s more we can do…</a:t>
+            </a:r>
+            <a:endParaRPr lang="zh-CN" altLang="en-US" sz="6600" b="1" dirty="0">
+              <a:effectLst>
+                <a:outerShdw blurRad="38100" dist="38100" dir="2700000" algn="tl">
+                  <a:srgbClr val="000000">
+                    <a:alpha val="43137"/>
+                  </a:srgbClr>
+                </a:outerShdw>
+              </a:effectLst>
+            </a:endParaRPr>
           </a:p>
         </p:txBody>
       </p:sp>
     </p:spTree>
     <p:extLst>
       <p:ext uri="{BB962C8B-B14F-4D97-AF65-F5344CB8AC3E}">
-        <p14:creationId xmlns:p14="http://schemas.microsoft.com/office/powerpoint/2010/main" val="72232147"/>
+        <p14:creationId xmlns:p14="http://schemas.microsoft.com/office/powerpoint/2010/main" val="767753713"/>
       </p:ext>
     </p:extLst>
   </p:cSld>
   <p:clrMapOvr>
     <a:masterClrMapping/>
   </p:clrMapOvr>
+  <mc:AlternateContent xmlns:mc="http://schemas.openxmlformats.org/markup-compatibility/2006">
+    <mc:Choice xmlns:p14="http://schemas.microsoft.com/office/powerpoint/2010/main" Requires="p14">
+      <p:transition spd="slow" p14:dur="1250">
+        <p14:flip dir="r"/>
+      </p:transition>
+    </mc:Choice>
+    <mc:Fallback>
+      <p:transition spd="slow">
+        <p:fade/>
+      </p:transition>
+    </mc:Fallback>
+  </mc:AlternateContent>
+  <p:timing>
+    <p:tnLst>
+      <p:par>
+        <p:cTn id="1" dur="indefinite" restart="never" nodeType="tmRoot"/>
+      </p:par>
+    </p:tnLst>
+  </p:timing>
+</p:sld>
+</file>
+
+<file path=ppt/slides/slide15.xml><?xml version="1.0" encoding="utf-8"?>
+<p:sld xmlns:a="http://schemas.openxmlformats.org/drawingml/2006/main" xmlns:r="http://schemas.openxmlformats.org/officeDocument/2006/relationships" xmlns:p="http://schemas.openxmlformats.org/presentationml/2006/main">
+  <p:cSld>
+    <p:spTree>
+      <p:nvGrpSpPr>
+        <p:cNvPr id="1" name=""/>
+        <p:cNvGrpSpPr/>
+        <p:nvPr/>
+      </p:nvGrpSpPr>
+      <p:grpSpPr>
+        <a:xfrm>
+          <a:off x="0" y="0"/>
+          <a:ext cx="0" cy="0"/>
+          <a:chOff x="0" y="0"/>
+          <a:chExt cx="0" cy="0"/>
+        </a:xfrm>
+      </p:grpSpPr>
+      <p:sp>
+        <p:nvSpPr>
+          <p:cNvPr id="4" name="文本框 3"/>
+          <p:cNvSpPr txBox="1"/>
+          <p:nvPr/>
+        </p:nvSpPr>
+        <p:spPr>
+          <a:xfrm>
+            <a:off x="1272274" y="1831987"/>
+            <a:ext cx="7520649" cy="1862048"/>
+          </a:xfrm>
+          <a:prstGeom prst="rect">
+            <a:avLst/>
+          </a:prstGeom>
+          <a:noFill/>
+        </p:spPr>
+        <p:txBody>
+          <a:bodyPr wrap="none" rtlCol="0">
+            <a:spAutoFit/>
+          </a:bodyPr>
+          <a:lstStyle/>
+          <a:p>
+            <a:r>
+              <a:rPr lang="en-US" altLang="zh-CN" sz="11500" b="1" dirty="0" smtClean="0">
+                <a:solidFill>
+                  <a:schemeClr val="bg1"/>
+                </a:solidFill>
+              </a:rPr>
+              <a:t>THANK YOU</a:t>
+            </a:r>
+            <a:endParaRPr lang="zh-CN" altLang="en-US" sz="11500" b="1" dirty="0">
+              <a:solidFill>
+                <a:schemeClr val="bg1"/>
+              </a:solidFill>
+            </a:endParaRPr>
+          </a:p>
+        </p:txBody>
+      </p:sp>
+      <p:sp>
+        <p:nvSpPr>
+          <p:cNvPr id="5" name="文本框 4"/>
+          <p:cNvSpPr txBox="1"/>
+          <p:nvPr/>
+        </p:nvSpPr>
+        <p:spPr>
+          <a:xfrm>
+            <a:off x="274747" y="5073365"/>
+            <a:ext cx="9714006" cy="1569660"/>
+          </a:xfrm>
+          <a:prstGeom prst="rect">
+            <a:avLst/>
+          </a:prstGeom>
+          <a:noFill/>
+        </p:spPr>
+        <p:txBody>
+          <a:bodyPr wrap="none" rtlCol="0">
+            <a:spAutoFit/>
+          </a:bodyPr>
+          <a:lstStyle/>
+          <a:p>
+            <a:r>
+              <a:rPr lang="en-US" altLang="zh-CN" sz="3200" dirty="0" smtClean="0">
+                <a:solidFill>
+                  <a:schemeClr val="bg1"/>
+                </a:solidFill>
+              </a:rPr>
+              <a:t>Reference</a:t>
+            </a:r>
+            <a:r>
+              <a:rPr lang="en-US" altLang="zh-CN" sz="3200" dirty="0">
+                <a:solidFill>
+                  <a:schemeClr val="bg1"/>
+                </a:solidFill>
+              </a:rPr>
+              <a:t>: </a:t>
+            </a:r>
+            <a:r>
+              <a:rPr lang="en-US" altLang="zh-CN" sz="3200" dirty="0" err="1">
+                <a:solidFill>
+                  <a:schemeClr val="bg1"/>
+                </a:solidFill>
+              </a:rPr>
+              <a:t>MITx</a:t>
+            </a:r>
+            <a:r>
+              <a:rPr lang="en-US" altLang="zh-CN" sz="3200" dirty="0">
+                <a:solidFill>
+                  <a:schemeClr val="bg1"/>
+                </a:solidFill>
+              </a:rPr>
+              <a:t>: 15.071x The Analytics </a:t>
+            </a:r>
+            <a:r>
+              <a:rPr lang="en-US" altLang="zh-CN" sz="3200" dirty="0" smtClean="0">
+                <a:solidFill>
+                  <a:schemeClr val="bg1"/>
+                </a:solidFill>
+              </a:rPr>
+              <a:t>Edge</a:t>
+            </a:r>
+          </a:p>
+          <a:p>
+            <a:r>
+              <a:rPr lang="en-US" altLang="zh-CN" sz="3200" dirty="0">
+                <a:solidFill>
+                  <a:schemeClr val="bg1"/>
+                </a:solidFill>
+              </a:rPr>
+              <a:t>Project URL: </a:t>
+            </a:r>
+            <a:endParaRPr lang="en-US" altLang="zh-CN" sz="3200" dirty="0" smtClean="0">
+              <a:solidFill>
+                <a:schemeClr val="bg1"/>
+              </a:solidFill>
+            </a:endParaRPr>
+          </a:p>
+          <a:p>
+            <a:r>
+              <a:rPr lang="en-US" altLang="zh-CN" sz="3200" dirty="0" smtClean="0">
+                <a:solidFill>
+                  <a:schemeClr val="bg1"/>
+                </a:solidFill>
+              </a:rPr>
+              <a:t>https</a:t>
+            </a:r>
+            <a:r>
+              <a:rPr lang="en-US" altLang="zh-CN" sz="3200" dirty="0">
+                <a:solidFill>
+                  <a:schemeClr val="bg1"/>
+                </a:solidFill>
+              </a:rPr>
+              <a:t>://github.com/lxy11282/Simple-Tweet-Text-Analysis</a:t>
+            </a:r>
+            <a:endParaRPr lang="en-US" altLang="zh-CN" sz="3200" dirty="0">
+              <a:solidFill>
+                <a:schemeClr val="bg1"/>
+              </a:solidFill>
+            </a:endParaRPr>
+          </a:p>
+        </p:txBody>
+      </p:sp>
+    </p:spTree>
+    <p:extLst>
+      <p:ext uri="{BB962C8B-B14F-4D97-AF65-F5344CB8AC3E}">
+        <p14:creationId xmlns:p14="http://schemas.microsoft.com/office/powerpoint/2010/main" val="3704025120"/>
+      </p:ext>
+    </p:extLst>
+  </p:cSld>
+  <p:clrMapOvr>
+    <a:masterClrMapping/>
+  </p:clrMapOvr>
+  <mc:AlternateContent xmlns:mc="http://schemas.openxmlformats.org/markup-compatibility/2006">
+    <mc:Choice xmlns:p14="http://schemas.microsoft.com/office/powerpoint/2010/main" Requires="p14">
+      <p:transition p14:dur="0"/>
+    </mc:Choice>
+    <mc:Fallback>
+      <p:transition/>
+    </mc:Fallback>
+  </mc:AlternateContent>
   <p:timing>
     <p:tnLst>
       <p:par>
@@ -5732,13 +5951,13 @@
           <a:p>
             <a:pPr algn="ctr"/>
             <a:r>
-              <a:rPr lang="en-US" sz="2400" dirty="0">
+              <a:rPr lang="en-US" sz="4000" b="1" dirty="0">
                 <a:latin typeface="Helvetica" panose="020B0604020202020204" pitchFamily="34" charset="0"/>
                 <a:cs typeface="Helvetica" panose="020B0604020202020204" pitchFamily="34" charset="0"/>
               </a:rPr>
               <a:t>Shut up and give me your $$$</a:t>
             </a:r>
-            <a:endParaRPr lang="en-US" sz="2200" dirty="0"/>
+            <a:endParaRPr lang="en-US" sz="3600" b="1" dirty="0"/>
           </a:p>
         </p:txBody>
       </p:sp>
@@ -5752,8 +5971,8 @@
   <p:clrMapOvr>
     <a:masterClrMapping/>
   </p:clrMapOvr>
-  <p:transition>
-    <p:push dir="u"/>
+  <p:transition spd="med">
+    <p:pull dir="u"/>
   </p:transition>
   <p:timing>
     <p:tnLst>
@@ -5810,12 +6029,15 @@
           <a:prstGeom prst="rect">
             <a:avLst/>
           </a:prstGeom>
+          <a:solidFill>
+            <a:schemeClr val="bg1"/>
+          </a:solidFill>
           <a:ln w="12700">
             <a:miter lim="400000"/>
           </a:ln>
           <a:extLst>
             <a:ext uri="{C572A759-6A51-4108-AA02-DFA0A04FC94B}">
-              <ma14:wrappingTextBoxFlag xmlns:ma14="http://schemas.microsoft.com/office/mac/drawingml/2011/main" xmlns="" val="1"/>
+              <ma14:wrappingTextBoxFlag xmlns="" xmlns:ma14="http://schemas.microsoft.com/office/mac/drawingml/2011/main" val="1"/>
             </a:ext>
           </a:extLst>
         </p:spPr>
@@ -5974,17 +6196,20 @@
         <p:spPr>
           <a:xfrm>
             <a:off x="3135480" y="4173167"/>
-            <a:ext cx="7179053" cy="1384995"/>
+            <a:ext cx="7160345" cy="1815882"/>
           </a:xfrm>
           <a:prstGeom prst="rect">
             <a:avLst/>
           </a:prstGeom>
+          <a:solidFill>
+            <a:schemeClr val="bg1"/>
+          </a:solidFill>
           <a:ln w="12700">
             <a:miter lim="400000"/>
           </a:ln>
           <a:extLst>
             <a:ext uri="{C572A759-6A51-4108-AA02-DFA0A04FC94B}">
-              <ma14:wrappingTextBoxFlag xmlns:ma14="http://schemas.microsoft.com/office/mac/drawingml/2011/main" xmlns="" val="1"/>
+              <ma14:wrappingTextBoxFlag xmlns="" xmlns:ma14="http://schemas.microsoft.com/office/mac/drawingml/2011/main" val="1"/>
             </a:ext>
           </a:extLst>
         </p:spPr>
@@ -6080,9 +6305,21 @@
                 <a:cs typeface="Arial"/>
                 <a:sym typeface="Arial"/>
               </a:rPr>
-              <a:t>you guys are cheep little freaks and I hope u get testicular cancer and loose a nut @apple</a:t>
-            </a:r>
-            <a:endParaRPr sz="2800" dirty="0">
+              <a:t>you guys are cheep little freaks and I hope u get testicular cancer and loose a nut @</a:t>
+            </a:r>
+            <a:r>
+              <a:rPr lang="en-US" sz="2800" dirty="0" smtClean="0">
+                <a:latin typeface="Arial"/>
+                <a:ea typeface="Arial"/>
+                <a:cs typeface="Arial"/>
+                <a:sym typeface="Arial"/>
+              </a:rPr>
+              <a:t>apple</a:t>
+            </a:r>
+          </a:p>
+          <a:p>
+            <a:pPr lvl="0"/>
+            <a:endParaRPr lang="en-US" sz="2800" dirty="0">
               <a:latin typeface="Arial"/>
               <a:ea typeface="Arial"/>
               <a:cs typeface="Arial"/>
@@ -6167,8 +6404,8 @@
         </p:blipFill>
         <p:spPr>
           <a:xfrm>
-            <a:off x="3135481" y="5578509"/>
-            <a:ext cx="4702016" cy="524185"/>
+            <a:off x="3135480" y="5529946"/>
+            <a:ext cx="4702016" cy="459104"/>
           </a:xfrm>
           <a:prstGeom prst="rect">
             <a:avLst/>
@@ -6191,13 +6428,13 @@
               </a:ext>
             </a:extLst>
           </a:blip>
-          <a:srcRect l="8626" t="8631" r="9172" b="8631"/>
+          <a:srcRect l="5959" t="4876" r="6983" b="6193"/>
           <a:stretch/>
         </p:blipFill>
         <p:spPr bwMode="auto">
           <a:xfrm>
-            <a:off x="1543659" y="4173167"/>
-            <a:ext cx="1459932" cy="1469438"/>
+            <a:off x="1423924" y="4355869"/>
+            <a:ext cx="1546166" cy="1579418"/>
           </a:xfrm>
           <a:prstGeom prst="rect">
             <a:avLst/>
@@ -6232,15 +6469,7 @@
               <a:srgbClr val="FFFFFF"/>
             </a:contourClr>
           </a:sp3d>
-          <a:extLst>
-            <a:ext uri="{909E8E84-426E-40DD-AFC4-6F175D3DCCD1}">
-              <a14:hiddenFill xmlns:a14="http://schemas.microsoft.com/office/drawing/2010/main">
-                <a:solidFill>
-                  <a:srgbClr val="FFFFFF"/>
-                </a:solidFill>
-              </a14:hiddenFill>
-            </a:ext>
-          </a:extLst>
+          <a:extLst/>
         </p:spPr>
       </p:pic>
       <p:pic>
@@ -6261,13 +6490,13 @@
               </a:ext>
             </a:extLst>
           </a:blip>
-          <a:srcRect l="20444" t="7965" r="18311" b="9268"/>
+          <a:srcRect l="17742" t="2933" r="16260" b="5790"/>
           <a:stretch/>
         </p:blipFill>
         <p:spPr bwMode="auto">
           <a:xfrm>
-            <a:off x="1543659" y="1469276"/>
-            <a:ext cx="1450226" cy="1469868"/>
+            <a:off x="1407297" y="1631761"/>
+            <a:ext cx="1562793" cy="1620982"/>
           </a:xfrm>
           <a:prstGeom prst="rect">
             <a:avLst/>
@@ -6302,15 +6531,7 @@
               <a:srgbClr val="FFFFFF"/>
             </a:contourClr>
           </a:sp3d>
-          <a:extLst>
-            <a:ext uri="{909E8E84-426E-40DD-AFC4-6F175D3DCCD1}">
-              <a14:hiddenFill xmlns:a14="http://schemas.microsoft.com/office/drawing/2010/main">
-                <a:solidFill>
-                  <a:srgbClr val="FFFFFF"/>
-                </a:solidFill>
-              </a14:hiddenFill>
-            </a:ext>
-          </a:extLst>
+          <a:extLst/>
         </p:spPr>
       </p:pic>
       <p:pic>
@@ -6364,9 +6585,18 @@
   <p:clrMapOvr>
     <a:masterClrMapping/>
   </p:clrMapOvr>
-  <p:transition>
-    <p:push dir="u"/>
-  </p:transition>
+  <mc:AlternateContent xmlns:mc="http://schemas.openxmlformats.org/markup-compatibility/2006">
+    <mc:Choice xmlns:p14="http://schemas.microsoft.com/office/powerpoint/2010/main" Requires="p14">
+      <p:transition>
+        <p14:reveal/>
+      </p:transition>
+    </mc:Choice>
+    <mc:Fallback>
+      <p:transition>
+        <p:fade/>
+      </p:transition>
+    </mc:Fallback>
+  </mc:AlternateContent>
   <p:timing>
     <p:tnLst>
       <p:par>
@@ -6766,16 +6996,40 @@
           <a:lstStyle/>
           <a:p>
             <a:r>
-              <a:rPr lang="en-US" altLang="zh-CN" sz="6600" b="1" dirty="0" smtClean="0"/>
+              <a:rPr lang="en-US" altLang="zh-CN" sz="6600" b="1" dirty="0" smtClean="0">
+                <a:effectLst>
+                  <a:outerShdw blurRad="38100" dist="38100" dir="2700000" algn="tl">
+                    <a:srgbClr val="000000">
+                      <a:alpha val="43137"/>
+                    </a:srgbClr>
+                  </a:outerShdw>
+                </a:effectLst>
+              </a:rPr>
               <a:t>Sentiment Scoring</a:t>
             </a:r>
           </a:p>
           <a:p>
             <a:r>
-              <a:rPr lang="en-US" altLang="zh-CN" sz="6600" b="1" dirty="0" smtClean="0"/>
+              <a:rPr lang="en-US" altLang="zh-CN" sz="6600" b="1" dirty="0" smtClean="0">
+                <a:effectLst>
+                  <a:outerShdw blurRad="38100" dist="38100" dir="2700000" algn="tl">
+                    <a:srgbClr val="000000">
+                      <a:alpha val="43137"/>
+                    </a:srgbClr>
+                  </a:outerShdw>
+                </a:effectLst>
+              </a:rPr>
               <a:t>And Data Cleaning</a:t>
             </a:r>
-            <a:endParaRPr lang="zh-CN" altLang="en-US" sz="6600" b="1" dirty="0"/>
+            <a:endParaRPr lang="zh-CN" altLang="en-US" sz="6600" b="1" dirty="0">
+              <a:effectLst>
+                <a:outerShdw blurRad="38100" dist="38100" dir="2700000" algn="tl">
+                  <a:srgbClr val="000000">
+                    <a:alpha val="43137"/>
+                  </a:srgbClr>
+                </a:outerShdw>
+              </a:effectLst>
+            </a:endParaRPr>
           </a:p>
         </p:txBody>
       </p:sp>
@@ -6789,9 +7043,18 @@
   <p:clrMapOvr>
     <a:masterClrMapping/>
   </p:clrMapOvr>
-  <p:transition spd="slow">
-    <p:push dir="u"/>
-  </p:transition>
+  <mc:AlternateContent xmlns:mc="http://schemas.openxmlformats.org/markup-compatibility/2006">
+    <mc:Choice xmlns:p14="http://schemas.microsoft.com/office/powerpoint/2010/main" Requires="p14">
+      <p:transition spd="slow" p14:dur="1250">
+        <p14:flip dir="r"/>
+      </p:transition>
+    </mc:Choice>
+    <mc:Fallback>
+      <p:transition spd="slow">
+        <p:fade/>
+      </p:transition>
+    </mc:Fallback>
+  </mc:AlternateContent>
   <p:timing>
     <p:tnLst>
       <p:par>
@@ -6805,6 +7068,20 @@
 <file path=ppt/slides/slide5.xml><?xml version="1.0" encoding="utf-8"?>
 <p:sld xmlns:a="http://schemas.openxmlformats.org/drawingml/2006/main" xmlns:r="http://schemas.openxmlformats.org/officeDocument/2006/relationships" xmlns:p="http://schemas.openxmlformats.org/presentationml/2006/main">
   <p:cSld>
+    <p:bg>
+      <p:bgPr>
+        <a:blipFill dpi="0" rotWithShape="1">
+          <a:blip r:embed="rId2">
+            <a:lum/>
+          </a:blip>
+          <a:srcRect/>
+          <a:stretch>
+            <a:fillRect/>
+          </a:stretch>
+        </a:blipFill>
+        <a:effectLst/>
+      </p:bgPr>
+    </p:bg>
     <p:spTree>
       <p:nvGrpSpPr>
         <p:cNvPr id="1" name=""/>
@@ -6829,16 +7106,21 @@
             <p:ph type="title"/>
           </p:nvPr>
         </p:nvSpPr>
-        <p:spPr/>
+        <p:spPr>
+          <a:xfrm>
+            <a:off x="617271" y="365125"/>
+            <a:ext cx="10515600" cy="1325563"/>
+          </a:xfrm>
+        </p:spPr>
         <p:txBody>
           <a:bodyPr/>
           <a:lstStyle/>
           <a:p>
             <a:r>
-              <a:rPr lang="en-US" dirty="0" smtClean="0"/>
+              <a:rPr lang="en-US" b="1" dirty="0" smtClean="0"/>
               <a:t>Human-labeled Sentiment score</a:t>
             </a:r>
-            <a:endParaRPr lang="en-US" dirty="0"/>
+            <a:endParaRPr lang="en-US" b="1" dirty="0"/>
           </a:p>
         </p:txBody>
       </p:sp>
@@ -6851,7 +7133,7 @@
               <p:nvPr>
                 <p:extLst>
                   <p:ext uri="{D42A27DB-BD31-4B8C-83A1-F6EECF244321}">
-                    <p14:modId xmlns:p14="http://schemas.microsoft.com/office/powerpoint/2010/main" val="174110905"/>
+                    <p14:modId xmlns:p14="http://schemas.microsoft.com/office/powerpoint/2010/main" val="3380186933"/>
                   </p:ext>
                 </p:extLst>
               </p:nvPr>
@@ -6862,7 +7144,7 @@
             </p:xfrm>
             <a:graphic>
               <a:graphicData uri="http://schemas.microsoft.com/office/drawing/2014/chartex">
-                <cx:chart xmlns:cx="http://schemas.microsoft.com/office/drawing/2014/chartex" xmlns:r="http://schemas.openxmlformats.org/officeDocument/2006/relationships" r:id="rId2"/>
+                <cx:chart xmlns:cx="http://schemas.microsoft.com/office/drawing/2014/chartex" xmlns:r="http://schemas.openxmlformats.org/officeDocument/2006/relationships" r:id="rId3"/>
               </a:graphicData>
             </a:graphic>
           </p:graphicFrame>
@@ -6877,7 +7159,7 @@
               <p:nvPr/>
             </p:nvPicPr>
             <p:blipFill>
-              <a:blip r:embed="rId3"/>
+              <a:blip r:embed="rId4"/>
               <a:stretch>
                 <a:fillRect/>
               </a:stretch>
@@ -6903,27 +7185,20 @@
           <p:nvPr>
             <p:extLst>
               <p:ext uri="{D42A27DB-BD31-4B8C-83A1-F6EECF244321}">
-                <p14:modId xmlns:p14="http://schemas.microsoft.com/office/powerpoint/2010/main" val="312877888"/>
+                <p14:modId xmlns:p14="http://schemas.microsoft.com/office/powerpoint/2010/main" val="3747610643"/>
               </p:ext>
             </p:extLst>
           </p:nvPr>
         </p:nvGraphicFramePr>
         <p:xfrm>
-          <a:off x="7909864" y="2607266"/>
-          <a:ext cx="3895026" cy="2101265"/>
+          <a:off x="8614270" y="2479136"/>
+          <a:ext cx="2401445" cy="2101265"/>
         </p:xfrm>
         <a:graphic>
           <a:graphicData uri="http://schemas.openxmlformats.org/drawingml/2006/table">
             <a:tbl>
               <a:tblPr/>
               <a:tblGrid>
-                <a:gridCol w="1493581">
-                  <a:extLst>
-                    <a:ext uri="{9D8B030D-6E8A-4147-A177-3AD203B41FA5}">
-                      <a16:colId xmlns:a16="http://schemas.microsoft.com/office/drawing/2014/main" val="2366479967"/>
-                    </a:ext>
-                  </a:extLst>
-                </a:gridCol>
                 <a:gridCol w="2401445">
                   <a:extLst>
                     <a:ext uri="{9D8B030D-6E8A-4147-A177-3AD203B41FA5}">
@@ -6940,93 +7215,11 @@
                     <a:p>
                       <a:pPr algn="ctr" fontAlgn="b"/>
                       <a:r>
-                        <a:rPr lang="en-US" sz="2500" b="0" i="0" u="none" strike="noStrike" dirty="0">
+                        <a:rPr lang="en-US" sz="2500" b="1" i="0" u="none" strike="noStrike" dirty="0">
                           <a:solidFill>
-                            <a:srgbClr val="000000"/>
-                          </a:solidFill>
-                          <a:effectLst/>
-                          <a:latin typeface="Calibri" panose="020F0502020204030204" pitchFamily="34" charset="0"/>
-                        </a:rPr>
-                        <a:t>-</a:t>
-                      </a:r>
-                      <a:r>
-                        <a:rPr lang="en-US" sz="2500" b="0" i="0" u="none" strike="noStrike" dirty="0" smtClean="0">
-                          <a:solidFill>
-                            <a:srgbClr val="000000"/>
-                          </a:solidFill>
-                          <a:effectLst/>
-                          <a:latin typeface="Calibri" panose="020F0502020204030204" pitchFamily="34" charset="0"/>
-                        </a:rPr>
-                        <a:t>2.0 ~</a:t>
-                      </a:r>
-                      <a:r>
-                        <a:rPr lang="en-US" sz="2500" b="0" i="0" u="none" strike="noStrike" baseline="0" dirty="0" smtClean="0">
-                          <a:solidFill>
-                            <a:srgbClr val="000000"/>
-                          </a:solidFill>
-                          <a:effectLst/>
-                          <a:latin typeface="Calibri" panose="020F0502020204030204" pitchFamily="34" charset="0"/>
-                        </a:rPr>
-                        <a:t> -1.2</a:t>
-                      </a:r>
-                      <a:endParaRPr lang="en-US" sz="2500" b="0" i="0" u="none" strike="noStrike" dirty="0">
-                        <a:solidFill>
-                          <a:srgbClr val="000000"/>
-                        </a:solidFill>
-                        <a:effectLst/>
-                        <a:latin typeface="Calibri" panose="020F0502020204030204" pitchFamily="34" charset="0"/>
-                      </a:endParaRPr>
-                    </a:p>
-                  </a:txBody>
-                  <a:tcPr marL="9761" marR="9761" marT="9761" marB="0" anchor="b">
-                    <a:lnL w="6350" cap="flat" cmpd="sng" algn="ctr">
-                      <a:solidFill>
-                        <a:srgbClr val="000000"/>
-                      </a:solidFill>
-                      <a:prstDash val="solid"/>
-                      <a:round/>
-                      <a:headEnd type="none" w="med" len="med"/>
-                      <a:tailEnd type="none" w="med" len="med"/>
-                    </a:lnL>
-                    <a:lnR w="6350" cap="flat" cmpd="sng" algn="ctr">
-                      <a:solidFill>
-                        <a:srgbClr val="000000"/>
-                      </a:solidFill>
-                      <a:prstDash val="solid"/>
-                      <a:round/>
-                      <a:headEnd type="none" w="med" len="med"/>
-                      <a:tailEnd type="none" w="med" len="med"/>
-                    </a:lnR>
-                    <a:lnT w="6350" cap="flat" cmpd="sng" algn="ctr">
-                      <a:solidFill>
-                        <a:srgbClr val="000000"/>
-                      </a:solidFill>
-                      <a:prstDash val="solid"/>
-                      <a:round/>
-                      <a:headEnd type="none" w="med" len="med"/>
-                      <a:tailEnd type="none" w="med" len="med"/>
-                    </a:lnT>
-                    <a:lnB w="6350" cap="flat" cmpd="sng" algn="ctr">
-                      <a:solidFill>
-                        <a:srgbClr val="000000"/>
-                      </a:solidFill>
-                      <a:prstDash val="solid"/>
-                      <a:round/>
-                      <a:headEnd type="none" w="med" len="med"/>
-                      <a:tailEnd type="none" w="med" len="med"/>
-                    </a:lnB>
-                  </a:tcPr>
-                </a:tc>
-                <a:tc>
-                  <a:txBody>
-                    <a:bodyPr/>
-                    <a:lstStyle/>
-                    <a:p>
-                      <a:pPr algn="ctr" fontAlgn="b"/>
-                      <a:r>
-                        <a:rPr lang="en-US" sz="2500" b="0" i="0" u="none" strike="noStrike">
-                          <a:solidFill>
-                            <a:srgbClr val="000000"/>
+                            <a:schemeClr val="accent2">
+                              <a:lumMod val="75000"/>
+                            </a:schemeClr>
                           </a:solidFill>
                           <a:effectLst/>
                           <a:latin typeface="Calibri" panose="020F0502020204030204" pitchFamily="34" charset="0"/>
@@ -7088,83 +7281,12 @@
                     <a:p>
                       <a:pPr algn="ctr" fontAlgn="b"/>
                       <a:r>
-                        <a:rPr lang="en-US" sz="2500" b="0" i="0" u="none" strike="noStrike" dirty="0">
+                        <a:rPr lang="en-US" sz="2500" b="1" i="0" u="none" strike="noStrike" dirty="0">
                           <a:solidFill>
-                            <a:srgbClr val="000000"/>
-                          </a:solidFill>
-                          <a:effectLst/>
-                          <a:latin typeface="Calibri" panose="020F0502020204030204" pitchFamily="34" charset="0"/>
-                        </a:rPr>
-                        <a:t>-</a:t>
-                      </a:r>
-                      <a:r>
-                        <a:rPr lang="en-US" sz="2500" b="0" i="0" u="none" strike="noStrike" dirty="0" smtClean="0">
-                          <a:solidFill>
-                            <a:srgbClr val="000000"/>
-                          </a:solidFill>
-                          <a:effectLst/>
-                          <a:latin typeface="Calibri" panose="020F0502020204030204" pitchFamily="34" charset="0"/>
-                        </a:rPr>
-                        <a:t>1.2 ~ -0.4</a:t>
-                      </a:r>
-                      <a:endParaRPr lang="en-US" sz="2500" b="0" i="0" u="none" strike="noStrike" dirty="0">
-                        <a:solidFill>
-                          <a:srgbClr val="000000"/>
-                        </a:solidFill>
-                        <a:effectLst/>
-                        <a:latin typeface="Calibri" panose="020F0502020204030204" pitchFamily="34" charset="0"/>
-                      </a:endParaRPr>
-                    </a:p>
-                  </a:txBody>
-                  <a:tcPr marL="9761" marR="9761" marT="9761" marB="0" anchor="b">
-                    <a:lnL w="6350" cap="flat" cmpd="sng" algn="ctr">
-                      <a:solidFill>
-                        <a:srgbClr val="000000"/>
-                      </a:solidFill>
-                      <a:prstDash val="solid"/>
-                      <a:round/>
-                      <a:headEnd type="none" w="med" len="med"/>
-                      <a:tailEnd type="none" w="med" len="med"/>
-                    </a:lnL>
-                    <a:lnR w="6350" cap="flat" cmpd="sng" algn="ctr">
-                      <a:solidFill>
-                        <a:srgbClr val="000000"/>
-                      </a:solidFill>
-                      <a:prstDash val="solid"/>
-                      <a:round/>
-                      <a:headEnd type="none" w="med" len="med"/>
-                      <a:tailEnd type="none" w="med" len="med"/>
-                    </a:lnR>
-                    <a:lnT w="6350" cap="flat" cmpd="sng" algn="ctr">
-                      <a:solidFill>
-                        <a:srgbClr val="000000"/>
-                      </a:solidFill>
-                      <a:prstDash val="solid"/>
-                      <a:round/>
-                      <a:headEnd type="none" w="med" len="med"/>
-                      <a:tailEnd type="none" w="med" len="med"/>
-                    </a:lnT>
-                    <a:lnB w="6350" cap="flat" cmpd="sng" algn="ctr">
-                      <a:solidFill>
-                        <a:srgbClr val="000000"/>
-                      </a:solidFill>
-                      <a:prstDash val="solid"/>
-                      <a:round/>
-                      <a:headEnd type="none" w="med" len="med"/>
-                      <a:tailEnd type="none" w="med" len="med"/>
-                    </a:lnB>
-                  </a:tcPr>
-                </a:tc>
-                <a:tc>
-                  <a:txBody>
-                    <a:bodyPr/>
-                    <a:lstStyle/>
-                    <a:p>
-                      <a:pPr algn="ctr" fontAlgn="b"/>
-                      <a:r>
-                        <a:rPr lang="en-US" sz="2500" b="0" i="0" u="none" strike="noStrike">
-                          <a:solidFill>
-                            <a:srgbClr val="000000"/>
+                            <a:schemeClr val="accent2">
+                              <a:lumMod val="60000"/>
+                              <a:lumOff val="40000"/>
+                            </a:schemeClr>
                           </a:solidFill>
                           <a:effectLst/>
                           <a:latin typeface="Calibri" panose="020F0502020204030204" pitchFamily="34" charset="0"/>
@@ -7226,81 +7348,7 @@
                     <a:p>
                       <a:pPr algn="ctr" fontAlgn="b"/>
                       <a:r>
-                        <a:rPr lang="en-US" sz="2500" b="0" i="0" u="none" strike="noStrike" dirty="0" smtClean="0">
-                          <a:solidFill>
-                            <a:srgbClr val="000000"/>
-                          </a:solidFill>
-                          <a:effectLst/>
-                          <a:latin typeface="Calibri" panose="020F0502020204030204" pitchFamily="34" charset="0"/>
-                        </a:rPr>
-                        <a:t>-0.4</a:t>
-                      </a:r>
-                      <a:r>
-                        <a:rPr lang="en-US" sz="2500" b="0" i="0" u="none" strike="noStrike" baseline="0" dirty="0" smtClean="0">
-                          <a:solidFill>
-                            <a:srgbClr val="000000"/>
-                          </a:solidFill>
-                          <a:effectLst/>
-                          <a:latin typeface="Calibri" panose="020F0502020204030204" pitchFamily="34" charset="0"/>
-                        </a:rPr>
-                        <a:t> ~ 0.4</a:t>
-                      </a:r>
-                      <a:endParaRPr lang="en-US" sz="2500" b="0" i="0" u="none" strike="noStrike" dirty="0">
-                        <a:solidFill>
-                          <a:srgbClr val="000000"/>
-                        </a:solidFill>
-                        <a:effectLst/>
-                        <a:latin typeface="Calibri" panose="020F0502020204030204" pitchFamily="34" charset="0"/>
-                      </a:endParaRPr>
-                    </a:p>
-                  </a:txBody>
-                  <a:tcPr marL="9761" marR="9761" marT="9761" marB="0" anchor="b">
-                    <a:lnL w="6350" cap="flat" cmpd="sng" algn="ctr">
-                      <a:solidFill>
-                        <a:srgbClr val="000000"/>
-                      </a:solidFill>
-                      <a:prstDash val="solid"/>
-                      <a:round/>
-                      <a:headEnd type="none" w="med" len="med"/>
-                      <a:tailEnd type="none" w="med" len="med"/>
-                    </a:lnL>
-                    <a:lnR w="6350" cap="flat" cmpd="sng" algn="ctr">
-                      <a:solidFill>
-                        <a:srgbClr val="000000"/>
-                      </a:solidFill>
-                      <a:prstDash val="solid"/>
-                      <a:round/>
-                      <a:headEnd type="none" w="med" len="med"/>
-                      <a:tailEnd type="none" w="med" len="med"/>
-                    </a:lnR>
-                    <a:lnT w="6350" cap="flat" cmpd="sng" algn="ctr">
-                      <a:solidFill>
-                        <a:srgbClr val="000000"/>
-                      </a:solidFill>
-                      <a:prstDash val="solid"/>
-                      <a:round/>
-                      <a:headEnd type="none" w="med" len="med"/>
-                      <a:tailEnd type="none" w="med" len="med"/>
-                    </a:lnT>
-                    <a:lnB w="6350" cap="flat" cmpd="sng" algn="ctr">
-                      <a:solidFill>
-                        <a:srgbClr val="000000"/>
-                      </a:solidFill>
-                      <a:prstDash val="solid"/>
-                      <a:round/>
-                      <a:headEnd type="none" w="med" len="med"/>
-                      <a:tailEnd type="none" w="med" len="med"/>
-                    </a:lnB>
-                  </a:tcPr>
-                </a:tc>
-                <a:tc>
-                  <a:txBody>
-                    <a:bodyPr/>
-                    <a:lstStyle/>
-                    <a:p>
-                      <a:pPr algn="ctr" fontAlgn="b"/>
-                      <a:r>
-                        <a:rPr lang="en-US" sz="2500" b="0" i="0" u="none" strike="noStrike" dirty="0">
+                        <a:rPr lang="en-US" sz="2500" b="1" i="0" u="none" strike="noStrike" dirty="0">
                           <a:solidFill>
                             <a:srgbClr val="000000"/>
                           </a:solidFill>
@@ -7364,83 +7412,12 @@
                     <a:p>
                       <a:pPr algn="ctr" fontAlgn="b"/>
                       <a:r>
-                        <a:rPr lang="en-US" sz="2500" b="0" i="0" u="none" strike="noStrike" dirty="0" smtClean="0">
+                        <a:rPr lang="en-US" sz="2500" b="1" i="0" u="none" strike="noStrike" dirty="0">
                           <a:solidFill>
-                            <a:srgbClr val="000000"/>
-                          </a:solidFill>
-                          <a:effectLst/>
-                          <a:latin typeface="Calibri" panose="020F0502020204030204" pitchFamily="34" charset="0"/>
-                        </a:rPr>
-                        <a:t>0.4</a:t>
-                      </a:r>
-                      <a:r>
-                        <a:rPr lang="en-US" sz="2500" b="0" i="0" u="none" strike="noStrike" baseline="0" dirty="0" smtClean="0">
-                          <a:solidFill>
-                            <a:srgbClr val="000000"/>
-                          </a:solidFill>
-                          <a:effectLst/>
-                          <a:latin typeface="Calibri" panose="020F0502020204030204" pitchFamily="34" charset="0"/>
-                        </a:rPr>
-                        <a:t> ~ 1.2</a:t>
-                      </a:r>
-                      <a:endParaRPr lang="en-US" sz="2500" b="0" i="0" u="none" strike="noStrike" dirty="0">
-                        <a:solidFill>
-                          <a:srgbClr val="000000"/>
-                        </a:solidFill>
-                        <a:effectLst/>
-                        <a:latin typeface="Calibri" panose="020F0502020204030204" pitchFamily="34" charset="0"/>
-                      </a:endParaRPr>
-                    </a:p>
-                  </a:txBody>
-                  <a:tcPr marL="9761" marR="9761" marT="9761" marB="0" anchor="b">
-                    <a:lnL w="6350" cap="flat" cmpd="sng" algn="ctr">
-                      <a:solidFill>
-                        <a:srgbClr val="000000"/>
-                      </a:solidFill>
-                      <a:prstDash val="solid"/>
-                      <a:round/>
-                      <a:headEnd type="none" w="med" len="med"/>
-                      <a:tailEnd type="none" w="med" len="med"/>
-                    </a:lnL>
-                    <a:lnR w="6350" cap="flat" cmpd="sng" algn="ctr">
-                      <a:solidFill>
-                        <a:srgbClr val="000000"/>
-                      </a:solidFill>
-                      <a:prstDash val="solid"/>
-                      <a:round/>
-                      <a:headEnd type="none" w="med" len="med"/>
-                      <a:tailEnd type="none" w="med" len="med"/>
-                    </a:lnR>
-                    <a:lnT w="6350" cap="flat" cmpd="sng" algn="ctr">
-                      <a:solidFill>
-                        <a:srgbClr val="000000"/>
-                      </a:solidFill>
-                      <a:prstDash val="solid"/>
-                      <a:round/>
-                      <a:headEnd type="none" w="med" len="med"/>
-                      <a:tailEnd type="none" w="med" len="med"/>
-                    </a:lnT>
-                    <a:lnB w="6350" cap="flat" cmpd="sng" algn="ctr">
-                      <a:solidFill>
-                        <a:srgbClr val="000000"/>
-                      </a:solidFill>
-                      <a:prstDash val="solid"/>
-                      <a:round/>
-                      <a:headEnd type="none" w="med" len="med"/>
-                      <a:tailEnd type="none" w="med" len="med"/>
-                    </a:lnB>
-                  </a:tcPr>
-                </a:tc>
-                <a:tc>
-                  <a:txBody>
-                    <a:bodyPr/>
-                    <a:lstStyle/>
-                    <a:p>
-                      <a:pPr algn="ctr" fontAlgn="b"/>
-                      <a:r>
-                        <a:rPr lang="en-US" sz="2500" b="0" i="0" u="none" strike="noStrike">
-                          <a:solidFill>
-                            <a:srgbClr val="000000"/>
+                            <a:schemeClr val="accent6">
+                              <a:lumMod val="60000"/>
+                              <a:lumOff val="40000"/>
+                            </a:schemeClr>
                           </a:solidFill>
                           <a:effectLst/>
                           <a:latin typeface="Calibri" panose="020F0502020204030204" pitchFamily="34" charset="0"/>
@@ -7502,73 +7479,11 @@
                     <a:p>
                       <a:pPr algn="ctr" fontAlgn="b"/>
                       <a:r>
-                        <a:rPr lang="en-US" sz="2500" b="0" i="0" u="none" strike="noStrike" dirty="0" smtClean="0">
+                        <a:rPr lang="en-US" sz="2500" b="1" i="0" u="none" strike="noStrike" dirty="0">
                           <a:solidFill>
-                            <a:srgbClr val="000000"/>
-                          </a:solidFill>
-                          <a:effectLst/>
-                          <a:latin typeface="Calibri" panose="020F0502020204030204" pitchFamily="34" charset="0"/>
-                        </a:rPr>
-                        <a:t>1.2 ~ 2.0</a:t>
-                      </a:r>
-                      <a:endParaRPr lang="en-US" sz="2500" b="0" i="0" u="none" strike="noStrike" dirty="0">
-                        <a:solidFill>
-                          <a:srgbClr val="000000"/>
-                        </a:solidFill>
-                        <a:effectLst/>
-                        <a:latin typeface="Calibri" panose="020F0502020204030204" pitchFamily="34" charset="0"/>
-                      </a:endParaRPr>
-                    </a:p>
-                  </a:txBody>
-                  <a:tcPr marL="9761" marR="9761" marT="9761" marB="0" anchor="b">
-                    <a:lnL w="6350" cap="flat" cmpd="sng" algn="ctr">
-                      <a:solidFill>
-                        <a:srgbClr val="000000"/>
-                      </a:solidFill>
-                      <a:prstDash val="solid"/>
-                      <a:round/>
-                      <a:headEnd type="none" w="med" len="med"/>
-                      <a:tailEnd type="none" w="med" len="med"/>
-                    </a:lnL>
-                    <a:lnR w="6350" cap="flat" cmpd="sng" algn="ctr">
-                      <a:solidFill>
-                        <a:srgbClr val="000000"/>
-                      </a:solidFill>
-                      <a:prstDash val="solid"/>
-                      <a:round/>
-                      <a:headEnd type="none" w="med" len="med"/>
-                      <a:tailEnd type="none" w="med" len="med"/>
-                    </a:lnR>
-                    <a:lnT w="6350" cap="flat" cmpd="sng" algn="ctr">
-                      <a:solidFill>
-                        <a:srgbClr val="000000"/>
-                      </a:solidFill>
-                      <a:prstDash val="solid"/>
-                      <a:round/>
-                      <a:headEnd type="none" w="med" len="med"/>
-                      <a:tailEnd type="none" w="med" len="med"/>
-                    </a:lnT>
-                    <a:lnB w="6350" cap="flat" cmpd="sng" algn="ctr">
-                      <a:solidFill>
-                        <a:srgbClr val="000000"/>
-                      </a:solidFill>
-                      <a:prstDash val="solid"/>
-                      <a:round/>
-                      <a:headEnd type="none" w="med" len="med"/>
-                      <a:tailEnd type="none" w="med" len="med"/>
-                    </a:lnB>
-                  </a:tcPr>
-                </a:tc>
-                <a:tc>
-                  <a:txBody>
-                    <a:bodyPr/>
-                    <a:lstStyle/>
-                    <a:p>
-                      <a:pPr algn="ctr" fontAlgn="b"/>
-                      <a:r>
-                        <a:rPr lang="en-US" sz="2500" b="0" i="0" u="none" strike="noStrike" dirty="0">
-                          <a:solidFill>
-                            <a:srgbClr val="000000"/>
+                            <a:schemeClr val="accent6">
+                              <a:lumMod val="75000"/>
+                            </a:schemeClr>
                           </a:solidFill>
                           <a:effectLst/>
                           <a:latin typeface="Calibri" panose="020F0502020204030204" pitchFamily="34" charset="0"/>
@@ -7634,28 +7549,55 @@
           </p:cNvPicPr>
           <p:nvPr/>
         </p:nvPicPr>
-        <p:blipFill>
-          <a:blip r:embed="rId4">
+        <p:blipFill rotWithShape="1">
+          <a:blip r:embed="rId5">
             <a:extLst>
               <a:ext uri="{28A0092B-C50C-407E-A947-70E740481C1C}">
                 <a14:useLocalDpi xmlns:a14="http://schemas.microsoft.com/office/drawing/2010/main" val="0"/>
               </a:ext>
             </a:extLst>
           </a:blip>
-          <a:srcRect/>
-          <a:stretch>
-            <a:fillRect/>
-          </a:stretch>
+          <a:srcRect l="-925" t="-7119" r="-1599" b="-4986"/>
+          <a:stretch/>
         </p:blipFill>
         <p:spPr bwMode="auto">
           <a:xfrm>
-            <a:off x="7801964" y="6036568"/>
-            <a:ext cx="4110826" cy="660958"/>
+            <a:off x="7707716" y="5368850"/>
+            <a:ext cx="4214554" cy="740961"/>
           </a:xfrm>
           <a:prstGeom prst="rect">
             <a:avLst/>
           </a:prstGeom>
-          <a:noFill/>
+          <a:solidFill>
+            <a:srgbClr val="FFFFFF">
+              <a:shade val="85000"/>
+            </a:srgbClr>
+          </a:solidFill>
+          <a:ln w="88900" cap="sq">
+            <a:solidFill>
+              <a:srgbClr val="FFFFFF"/>
+            </a:solidFill>
+            <a:miter lim="800000"/>
+          </a:ln>
+          <a:effectLst>
+            <a:outerShdw blurRad="55000" dist="18000" dir="5400000" algn="tl" rotWithShape="0">
+              <a:srgbClr val="000000">
+                <a:alpha val="40000"/>
+              </a:srgbClr>
+            </a:outerShdw>
+          </a:effectLst>
+          <a:scene3d>
+            <a:camera prst="orthographicFront"/>
+            <a:lightRig rig="twoPt" dir="t">
+              <a:rot lat="0" lon="0" rev="7200000"/>
+            </a:lightRig>
+          </a:scene3d>
+          <a:sp3d>
+            <a:bevelT w="25400" h="19050"/>
+            <a:contourClr>
+              <a:srgbClr val="FFFFFF"/>
+            </a:contourClr>
+          </a:sp3d>
           <a:extLst>
             <a:ext uri="{909E8E84-426E-40DD-AFC4-6F175D3DCCD1}">
               <a14:hiddenFill xmlns:a14="http://schemas.microsoft.com/office/drawing/2010/main">
@@ -7677,6 +7619,9 @@
   <p:clrMapOvr>
     <a:masterClrMapping/>
   </p:clrMapOvr>
+  <p:transition spd="med">
+    <p:pull dir="u"/>
+  </p:transition>
   <p:timing>
     <p:tnLst>
       <p:par>
@@ -7690,6 +7635,20 @@
 <file path=ppt/slides/slide6.xml><?xml version="1.0" encoding="utf-8"?>
 <p:sld xmlns:a="http://schemas.openxmlformats.org/drawingml/2006/main" xmlns:r="http://schemas.openxmlformats.org/officeDocument/2006/relationships" xmlns:p="http://schemas.openxmlformats.org/presentationml/2006/main">
   <p:cSld>
+    <p:bg>
+      <p:bgPr>
+        <a:blipFill dpi="0" rotWithShape="1">
+          <a:blip r:embed="rId2">
+            <a:lum/>
+          </a:blip>
+          <a:srcRect/>
+          <a:stretch>
+            <a:fillRect/>
+          </a:stretch>
+        </a:blipFill>
+        <a:effectLst/>
+      </p:bgPr>
+    </p:bg>
     <p:spTree>
       <p:nvGrpSpPr>
         <p:cNvPr id="1" name=""/>
@@ -7713,7 +7672,7 @@
           <p:nvPr/>
         </p:nvPicPr>
         <p:blipFill>
-          <a:blip r:embed="rId2"/>
+          <a:blip r:embed="rId3"/>
           <a:stretch>
             <a:fillRect/>
           </a:stretch>
@@ -7737,7 +7696,7 @@
           <p:nvPr/>
         </p:nvPicPr>
         <p:blipFill>
-          <a:blip r:embed="rId3"/>
+          <a:blip r:embed="rId4"/>
           <a:stretch>
             <a:fillRect/>
           </a:stretch>
@@ -7750,6 +7709,11 @@
           <a:prstGeom prst="rect">
             <a:avLst/>
           </a:prstGeom>
+          <a:ln w="38100">
+            <a:solidFill>
+              <a:schemeClr val="tx1"/>
+            </a:solidFill>
+          </a:ln>
         </p:spPr>
       </p:pic>
       <p:sp>
@@ -7764,7 +7728,7 @@
         </p:nvSpPr>
         <p:spPr>
           <a:xfrm>
-            <a:off x="208415" y="193737"/>
+            <a:off x="599113" y="448072"/>
             <a:ext cx="10515600" cy="1325563"/>
           </a:xfrm>
         </p:spPr>
@@ -7773,10 +7737,10 @@
           <a:lstStyle/>
           <a:p>
             <a:r>
-              <a:rPr lang="en-US" dirty="0" smtClean="0"/>
+              <a:rPr lang="en-US" b="1" dirty="0" smtClean="0"/>
               <a:t>Read data</a:t>
             </a:r>
-            <a:endParaRPr lang="en-US" dirty="0"/>
+            <a:endParaRPr lang="en-US" b="1" dirty="0"/>
           </a:p>
         </p:txBody>
       </p:sp>
@@ -7790,6 +7754,9 @@
   <p:clrMapOvr>
     <a:masterClrMapping/>
   </p:clrMapOvr>
+  <p:transition spd="med">
+    <p:pull/>
+  </p:transition>
   <p:timing>
     <p:tnLst>
       <p:par>
@@ -7803,6 +7770,20 @@
 <file path=ppt/slides/slide7.xml><?xml version="1.0" encoding="utf-8"?>
 <p:sld xmlns:a="http://schemas.openxmlformats.org/drawingml/2006/main" xmlns:r="http://schemas.openxmlformats.org/officeDocument/2006/relationships" xmlns:p="http://schemas.openxmlformats.org/presentationml/2006/main">
   <p:cSld>
+    <p:bg>
+      <p:bgPr>
+        <a:blipFill dpi="0" rotWithShape="1">
+          <a:blip r:embed="rId2">
+            <a:lum/>
+          </a:blip>
+          <a:srcRect/>
+          <a:stretch>
+            <a:fillRect/>
+          </a:stretch>
+        </a:blipFill>
+        <a:effectLst/>
+      </p:bgPr>
+    </p:bg>
     <p:spTree>
       <p:nvGrpSpPr>
         <p:cNvPr id="1" name=""/>
@@ -7826,7 +7807,7 @@
           <p:nvPr/>
         </p:nvPicPr>
         <p:blipFill>
-          <a:blip r:embed="rId2"/>
+          <a:blip r:embed="rId3"/>
           <a:stretch>
             <a:fillRect/>
           </a:stretch>
@@ -7884,14 +7865,14 @@
           <a:p>
             <a:pPr algn="ctr"/>
             <a:r>
-              <a:rPr lang="en-US" sz="2000" dirty="0"/>
+              <a:rPr lang="en-US" sz="2000" b="1" dirty="0"/>
               <a:t>I have to say, Apple has by far the best customer care service I have ever received! @Apple @</a:t>
             </a:r>
             <a:r>
-              <a:rPr lang="en-US" sz="2000" dirty="0" err="1"/>
+              <a:rPr lang="en-US" sz="2000" b="1" dirty="0" err="1"/>
               <a:t>AppStore</a:t>
             </a:r>
-            <a:endParaRPr lang="en-US" sz="2000" dirty="0"/>
+            <a:endParaRPr lang="en-US" sz="2000" b="1" dirty="0"/>
           </a:p>
         </p:txBody>
       </p:sp>
@@ -7903,7 +7884,7 @@
         </p:nvSpPr>
         <p:spPr>
           <a:xfrm>
-            <a:off x="388346" y="2538821"/>
+            <a:off x="388344" y="2521727"/>
             <a:ext cx="11439524" cy="538320"/>
           </a:xfrm>
           <a:prstGeom prst="rect">
@@ -7938,10 +7919,26 @@
           <a:p>
             <a:pPr algn="ctr"/>
             <a:r>
-              <a:rPr lang="en-US" sz="2000"/>
-              <a:t>i have to say, apple has by far the best customer care service i have ever received! @apple @appstore</a:t>
-            </a:r>
-            <a:endParaRPr lang="en-US" sz="2000" dirty="0"/>
+              <a:rPr lang="en-US" sz="2000" b="1" dirty="0" err="1"/>
+              <a:t>i</a:t>
+            </a:r>
+            <a:r>
+              <a:rPr lang="en-US" sz="2000" b="1" dirty="0"/>
+              <a:t> have to say, apple has by far the best customer care service </a:t>
+            </a:r>
+            <a:r>
+              <a:rPr lang="en-US" sz="2000" b="1" dirty="0" err="1"/>
+              <a:t>i</a:t>
+            </a:r>
+            <a:r>
+              <a:rPr lang="en-US" sz="2000" b="1" dirty="0"/>
+              <a:t> have ever received! @apple @</a:t>
+            </a:r>
+            <a:r>
+              <a:rPr lang="en-US" sz="2000" b="1" dirty="0" err="1"/>
+              <a:t>appstore</a:t>
+            </a:r>
+            <a:endParaRPr lang="en-US" sz="2000" b="1" dirty="0"/>
           </a:p>
         </p:txBody>
       </p:sp>
@@ -7988,10 +7985,26 @@
           <a:p>
             <a:pPr algn="ctr"/>
             <a:r>
-              <a:rPr lang="en-US" sz="2000"/>
-              <a:t>i have to say apple has by far the best customer care service i have ever received apple appstore</a:t>
-            </a:r>
-            <a:endParaRPr lang="en-US" sz="2000" dirty="0"/>
+              <a:rPr lang="en-US" sz="2000" b="1" dirty="0" err="1"/>
+              <a:t>i</a:t>
+            </a:r>
+            <a:r>
+              <a:rPr lang="en-US" sz="2000" b="1" dirty="0"/>
+              <a:t> have to say apple has by far the best customer care service </a:t>
+            </a:r>
+            <a:r>
+              <a:rPr lang="en-US" sz="2000" b="1" dirty="0" err="1"/>
+              <a:t>i</a:t>
+            </a:r>
+            <a:r>
+              <a:rPr lang="en-US" sz="2000" b="1" dirty="0"/>
+              <a:t> have ever received apple </a:t>
+            </a:r>
+            <a:r>
+              <a:rPr lang="en-US" sz="2000" b="1" dirty="0" err="1"/>
+              <a:t>appstore</a:t>
+            </a:r>
+            <a:endParaRPr lang="en-US" sz="2000" b="1" dirty="0"/>
           </a:p>
         </p:txBody>
       </p:sp>
@@ -8038,10 +8051,14 @@
           <a:p>
             <a:pPr algn="ctr"/>
             <a:r>
-              <a:rPr lang="en-US" sz="2000"/>
-              <a:t> say    far  best customer care service   ever received  appstore</a:t>
-            </a:r>
-            <a:endParaRPr lang="en-US" sz="2000" dirty="0"/>
+              <a:rPr lang="en-US" sz="2000" b="1" dirty="0"/>
+              <a:t> say    far  best customer care service   ever received  </a:t>
+            </a:r>
+            <a:r>
+              <a:rPr lang="en-US" sz="2000" b="1" dirty="0" err="1"/>
+              <a:t>appstore</a:t>
+            </a:r>
+            <a:endParaRPr lang="en-US" sz="2000" b="1" dirty="0"/>
           </a:p>
         </p:txBody>
       </p:sp>
@@ -8088,10 +8105,30 @@
           <a:p>
             <a:pPr algn="ctr"/>
             <a:r>
-              <a:rPr lang="en-US" sz="2000"/>
-              <a:t> say    far  best custom care servic   ever receiv  appstor</a:t>
-            </a:r>
-            <a:endParaRPr lang="en-US" sz="2000" dirty="0"/>
+              <a:rPr lang="en-US" sz="2000" b="1" dirty="0"/>
+              <a:t> say    far  best custom care </a:t>
+            </a:r>
+            <a:r>
+              <a:rPr lang="en-US" sz="2000" b="1" dirty="0" err="1"/>
+              <a:t>servic</a:t>
+            </a:r>
+            <a:r>
+              <a:rPr lang="en-US" sz="2000" b="1" dirty="0"/>
+              <a:t>   ever </a:t>
+            </a:r>
+            <a:r>
+              <a:rPr lang="en-US" sz="2000" b="1" dirty="0" err="1"/>
+              <a:t>receiv</a:t>
+            </a:r>
+            <a:r>
+              <a:rPr lang="en-US" sz="2000" b="1" dirty="0"/>
+              <a:t>  </a:t>
+            </a:r>
+            <a:r>
+              <a:rPr lang="en-US" sz="2000" b="1" dirty="0" err="1"/>
+              <a:t>appstor</a:t>
+            </a:r>
+            <a:endParaRPr lang="en-US" sz="2000" b="1" dirty="0"/>
           </a:p>
         </p:txBody>
       </p:sp>
@@ -8105,12 +8142,425 @@
   <p:clrMapOvr>
     <a:masterClrMapping/>
   </p:clrMapOvr>
+  <p:transition spd="med">
+    <p:pull/>
+  </p:transition>
   <p:timing>
     <p:tnLst>
       <p:par>
-        <p:cTn id="1" dur="indefinite" restart="never" nodeType="tmRoot"/>
+        <p:cTn id="1" dur="indefinite" restart="never" nodeType="tmRoot">
+          <p:childTnLst>
+            <p:seq concurrent="1" nextAc="seek">
+              <p:cTn id="2" dur="indefinite" nodeType="mainSeq">
+                <p:childTnLst>
+                  <p:par>
+                    <p:cTn id="3" fill="hold">
+                      <p:stCondLst>
+                        <p:cond delay="indefinite"/>
+                      </p:stCondLst>
+                      <p:childTnLst>
+                        <p:par>
+                          <p:cTn id="4" fill="hold">
+                            <p:stCondLst>
+                              <p:cond delay="0"/>
+                            </p:stCondLst>
+                            <p:childTnLst>
+                              <p:par>
+                                <p:cTn id="5" presetID="12" presetClass="entr" presetSubtype="1" fill="hold" grpId="0" nodeType="clickEffect">
+                                  <p:stCondLst>
+                                    <p:cond delay="0"/>
+                                  </p:stCondLst>
+                                  <p:childTnLst>
+                                    <p:set>
+                                      <p:cBhvr>
+                                        <p:cTn id="6" dur="1" fill="hold">
+                                          <p:stCondLst>
+                                            <p:cond delay="0"/>
+                                          </p:stCondLst>
+                                        </p:cTn>
+                                        <p:tgtEl>
+                                          <p:spTgt spid="2"/>
+                                        </p:tgtEl>
+                                        <p:attrNameLst>
+                                          <p:attrName>style.visibility</p:attrName>
+                                        </p:attrNameLst>
+                                      </p:cBhvr>
+                                      <p:to>
+                                        <p:strVal val="visible"/>
+                                      </p:to>
+                                    </p:set>
+                                    <p:anim calcmode="lin" valueType="num">
+                                      <p:cBhvr additive="base">
+                                        <p:cTn id="7" dur="300"/>
+                                        <p:tgtEl>
+                                          <p:spTgt spid="2"/>
+                                        </p:tgtEl>
+                                        <p:attrNameLst>
+                                          <p:attrName>ppt_y</p:attrName>
+                                        </p:attrNameLst>
+                                      </p:cBhvr>
+                                      <p:tavLst>
+                                        <p:tav tm="0">
+                                          <p:val>
+                                            <p:strVal val="#ppt_y-#ppt_h*1.125000"/>
+                                          </p:val>
+                                        </p:tav>
+                                        <p:tav tm="100000">
+                                          <p:val>
+                                            <p:strVal val="#ppt_y"/>
+                                          </p:val>
+                                        </p:tav>
+                                      </p:tavLst>
+                                    </p:anim>
+                                    <p:animEffect transition="in" filter="wipe(down)">
+                                      <p:cBhvr>
+                                        <p:cTn id="8" dur="300"/>
+                                        <p:tgtEl>
+                                          <p:spTgt spid="2"/>
+                                        </p:tgtEl>
+                                      </p:cBhvr>
+                                    </p:animEffect>
+                                  </p:childTnLst>
+                                </p:cTn>
+                              </p:par>
+                            </p:childTnLst>
+                          </p:cTn>
+                        </p:par>
+                      </p:childTnLst>
+                    </p:cTn>
+                  </p:par>
+                  <p:par>
+                    <p:cTn id="9" fill="hold">
+                      <p:stCondLst>
+                        <p:cond delay="indefinite"/>
+                      </p:stCondLst>
+                      <p:childTnLst>
+                        <p:par>
+                          <p:cTn id="10" fill="hold">
+                            <p:stCondLst>
+                              <p:cond delay="0"/>
+                            </p:stCondLst>
+                            <p:childTnLst>
+                              <p:par>
+                                <p:cTn id="11" presetID="12" presetClass="entr" presetSubtype="1" fill="hold" grpId="0" nodeType="clickEffect">
+                                  <p:stCondLst>
+                                    <p:cond delay="0"/>
+                                  </p:stCondLst>
+                                  <p:childTnLst>
+                                    <p:set>
+                                      <p:cBhvr>
+                                        <p:cTn id="12" dur="1" fill="hold">
+                                          <p:stCondLst>
+                                            <p:cond delay="0"/>
+                                          </p:stCondLst>
+                                        </p:cTn>
+                                        <p:tgtEl>
+                                          <p:spTgt spid="4"/>
+                                        </p:tgtEl>
+                                        <p:attrNameLst>
+                                          <p:attrName>style.visibility</p:attrName>
+                                        </p:attrNameLst>
+                                      </p:cBhvr>
+                                      <p:to>
+                                        <p:strVal val="visible"/>
+                                      </p:to>
+                                    </p:set>
+                                    <p:anim calcmode="lin" valueType="num">
+                                      <p:cBhvr additive="base">
+                                        <p:cTn id="13" dur="300"/>
+                                        <p:tgtEl>
+                                          <p:spTgt spid="4"/>
+                                        </p:tgtEl>
+                                        <p:attrNameLst>
+                                          <p:attrName>ppt_y</p:attrName>
+                                        </p:attrNameLst>
+                                      </p:cBhvr>
+                                      <p:tavLst>
+                                        <p:tav tm="0">
+                                          <p:val>
+                                            <p:strVal val="#ppt_y-#ppt_h*1.125000"/>
+                                          </p:val>
+                                        </p:tav>
+                                        <p:tav tm="100000">
+                                          <p:val>
+                                            <p:strVal val="#ppt_y"/>
+                                          </p:val>
+                                        </p:tav>
+                                      </p:tavLst>
+                                    </p:anim>
+                                    <p:animEffect transition="in" filter="wipe(down)">
+                                      <p:cBhvr>
+                                        <p:cTn id="14" dur="300"/>
+                                        <p:tgtEl>
+                                          <p:spTgt spid="4"/>
+                                        </p:tgtEl>
+                                      </p:cBhvr>
+                                    </p:animEffect>
+                                  </p:childTnLst>
+                                </p:cTn>
+                              </p:par>
+                            </p:childTnLst>
+                          </p:cTn>
+                        </p:par>
+                      </p:childTnLst>
+                    </p:cTn>
+                  </p:par>
+                  <p:par>
+                    <p:cTn id="15" fill="hold">
+                      <p:stCondLst>
+                        <p:cond delay="indefinite"/>
+                      </p:stCondLst>
+                      <p:childTnLst>
+                        <p:par>
+                          <p:cTn id="16" fill="hold">
+                            <p:stCondLst>
+                              <p:cond delay="0"/>
+                            </p:stCondLst>
+                            <p:childTnLst>
+                              <p:par>
+                                <p:cTn id="17" presetID="12" presetClass="entr" presetSubtype="1" fill="hold" grpId="0" nodeType="clickEffect">
+                                  <p:stCondLst>
+                                    <p:cond delay="0"/>
+                                  </p:stCondLst>
+                                  <p:childTnLst>
+                                    <p:set>
+                                      <p:cBhvr>
+                                        <p:cTn id="18" dur="1" fill="hold">
+                                          <p:stCondLst>
+                                            <p:cond delay="0"/>
+                                          </p:stCondLst>
+                                        </p:cTn>
+                                        <p:tgtEl>
+                                          <p:spTgt spid="5"/>
+                                        </p:tgtEl>
+                                        <p:attrNameLst>
+                                          <p:attrName>style.visibility</p:attrName>
+                                        </p:attrNameLst>
+                                      </p:cBhvr>
+                                      <p:to>
+                                        <p:strVal val="visible"/>
+                                      </p:to>
+                                    </p:set>
+                                    <p:anim calcmode="lin" valueType="num">
+                                      <p:cBhvr additive="base">
+                                        <p:cTn id="19" dur="300"/>
+                                        <p:tgtEl>
+                                          <p:spTgt spid="5"/>
+                                        </p:tgtEl>
+                                        <p:attrNameLst>
+                                          <p:attrName>ppt_y</p:attrName>
+                                        </p:attrNameLst>
+                                      </p:cBhvr>
+                                      <p:tavLst>
+                                        <p:tav tm="0">
+                                          <p:val>
+                                            <p:strVal val="#ppt_y-#ppt_h*1.125000"/>
+                                          </p:val>
+                                        </p:tav>
+                                        <p:tav tm="100000">
+                                          <p:val>
+                                            <p:strVal val="#ppt_y"/>
+                                          </p:val>
+                                        </p:tav>
+                                      </p:tavLst>
+                                    </p:anim>
+                                    <p:animEffect transition="in" filter="wipe(down)">
+                                      <p:cBhvr>
+                                        <p:cTn id="20" dur="300"/>
+                                        <p:tgtEl>
+                                          <p:spTgt spid="5"/>
+                                        </p:tgtEl>
+                                      </p:cBhvr>
+                                    </p:animEffect>
+                                  </p:childTnLst>
+                                </p:cTn>
+                              </p:par>
+                            </p:childTnLst>
+                          </p:cTn>
+                        </p:par>
+                      </p:childTnLst>
+                    </p:cTn>
+                  </p:par>
+                  <p:par>
+                    <p:cTn id="21" fill="hold">
+                      <p:stCondLst>
+                        <p:cond delay="indefinite"/>
+                      </p:stCondLst>
+                      <p:childTnLst>
+                        <p:par>
+                          <p:cTn id="22" fill="hold">
+                            <p:stCondLst>
+                              <p:cond delay="0"/>
+                            </p:stCondLst>
+                            <p:childTnLst>
+                              <p:par>
+                                <p:cTn id="23" presetID="12" presetClass="entr" presetSubtype="1" fill="hold" grpId="0" nodeType="clickEffect">
+                                  <p:stCondLst>
+                                    <p:cond delay="0"/>
+                                  </p:stCondLst>
+                                  <p:childTnLst>
+                                    <p:set>
+                                      <p:cBhvr>
+                                        <p:cTn id="24" dur="1" fill="hold">
+                                          <p:stCondLst>
+                                            <p:cond delay="0"/>
+                                          </p:stCondLst>
+                                        </p:cTn>
+                                        <p:tgtEl>
+                                          <p:spTgt spid="6"/>
+                                        </p:tgtEl>
+                                        <p:attrNameLst>
+                                          <p:attrName>style.visibility</p:attrName>
+                                        </p:attrNameLst>
+                                      </p:cBhvr>
+                                      <p:to>
+                                        <p:strVal val="visible"/>
+                                      </p:to>
+                                    </p:set>
+                                    <p:anim calcmode="lin" valueType="num">
+                                      <p:cBhvr additive="base">
+                                        <p:cTn id="25" dur="300"/>
+                                        <p:tgtEl>
+                                          <p:spTgt spid="6"/>
+                                        </p:tgtEl>
+                                        <p:attrNameLst>
+                                          <p:attrName>ppt_y</p:attrName>
+                                        </p:attrNameLst>
+                                      </p:cBhvr>
+                                      <p:tavLst>
+                                        <p:tav tm="0">
+                                          <p:val>
+                                            <p:strVal val="#ppt_y-#ppt_h*1.125000"/>
+                                          </p:val>
+                                        </p:tav>
+                                        <p:tav tm="100000">
+                                          <p:val>
+                                            <p:strVal val="#ppt_y"/>
+                                          </p:val>
+                                        </p:tav>
+                                      </p:tavLst>
+                                    </p:anim>
+                                    <p:animEffect transition="in" filter="wipe(down)">
+                                      <p:cBhvr>
+                                        <p:cTn id="26" dur="300"/>
+                                        <p:tgtEl>
+                                          <p:spTgt spid="6"/>
+                                        </p:tgtEl>
+                                      </p:cBhvr>
+                                    </p:animEffect>
+                                  </p:childTnLst>
+                                </p:cTn>
+                              </p:par>
+                            </p:childTnLst>
+                          </p:cTn>
+                        </p:par>
+                      </p:childTnLst>
+                    </p:cTn>
+                  </p:par>
+                  <p:par>
+                    <p:cTn id="27" fill="hold">
+                      <p:stCondLst>
+                        <p:cond delay="indefinite"/>
+                      </p:stCondLst>
+                      <p:childTnLst>
+                        <p:par>
+                          <p:cTn id="28" fill="hold">
+                            <p:stCondLst>
+                              <p:cond delay="0"/>
+                            </p:stCondLst>
+                            <p:childTnLst>
+                              <p:par>
+                                <p:cTn id="29" presetID="12" presetClass="entr" presetSubtype="1" fill="hold" grpId="0" nodeType="clickEffect">
+                                  <p:stCondLst>
+                                    <p:cond delay="0"/>
+                                  </p:stCondLst>
+                                  <p:childTnLst>
+                                    <p:set>
+                                      <p:cBhvr>
+                                        <p:cTn id="30" dur="1" fill="hold">
+                                          <p:stCondLst>
+                                            <p:cond delay="0"/>
+                                          </p:stCondLst>
+                                        </p:cTn>
+                                        <p:tgtEl>
+                                          <p:spTgt spid="7"/>
+                                        </p:tgtEl>
+                                        <p:attrNameLst>
+                                          <p:attrName>style.visibility</p:attrName>
+                                        </p:attrNameLst>
+                                      </p:cBhvr>
+                                      <p:to>
+                                        <p:strVal val="visible"/>
+                                      </p:to>
+                                    </p:set>
+                                    <p:anim calcmode="lin" valueType="num">
+                                      <p:cBhvr additive="base">
+                                        <p:cTn id="31" dur="300"/>
+                                        <p:tgtEl>
+                                          <p:spTgt spid="7"/>
+                                        </p:tgtEl>
+                                        <p:attrNameLst>
+                                          <p:attrName>ppt_y</p:attrName>
+                                        </p:attrNameLst>
+                                      </p:cBhvr>
+                                      <p:tavLst>
+                                        <p:tav tm="0">
+                                          <p:val>
+                                            <p:strVal val="#ppt_y-#ppt_h*1.125000"/>
+                                          </p:val>
+                                        </p:tav>
+                                        <p:tav tm="100000">
+                                          <p:val>
+                                            <p:strVal val="#ppt_y"/>
+                                          </p:val>
+                                        </p:tav>
+                                      </p:tavLst>
+                                    </p:anim>
+                                    <p:animEffect transition="in" filter="wipe(down)">
+                                      <p:cBhvr>
+                                        <p:cTn id="32" dur="300"/>
+                                        <p:tgtEl>
+                                          <p:spTgt spid="7"/>
+                                        </p:tgtEl>
+                                      </p:cBhvr>
+                                    </p:animEffect>
+                                  </p:childTnLst>
+                                </p:cTn>
+                              </p:par>
+                            </p:childTnLst>
+                          </p:cTn>
+                        </p:par>
+                      </p:childTnLst>
+                    </p:cTn>
+                  </p:par>
+                </p:childTnLst>
+              </p:cTn>
+              <p:prevCondLst>
+                <p:cond evt="onPrev" delay="0">
+                  <p:tgtEl>
+                    <p:sldTgt/>
+                  </p:tgtEl>
+                </p:cond>
+              </p:prevCondLst>
+              <p:nextCondLst>
+                <p:cond evt="onNext" delay="0">
+                  <p:tgtEl>
+                    <p:sldTgt/>
+                  </p:tgtEl>
+                </p:cond>
+              </p:nextCondLst>
+            </p:seq>
+          </p:childTnLst>
+        </p:cTn>
       </p:par>
     </p:tnLst>
+    <p:bldLst>
+      <p:bldP spid="2" grpId="0" animBg="1"/>
+      <p:bldP spid="4" grpId="0" animBg="1"/>
+      <p:bldP spid="5" grpId="0" animBg="1"/>
+      <p:bldP spid="6" grpId="0" animBg="1"/>
+      <p:bldP spid="7" grpId="0" animBg="1"/>
+    </p:bldLst>
   </p:timing>
 </p:sld>
 </file>
@@ -8118,6 +8568,20 @@
 <file path=ppt/slides/slide8.xml><?xml version="1.0" encoding="utf-8"?>
 <p:sld xmlns:a="http://schemas.openxmlformats.org/drawingml/2006/main" xmlns:r="http://schemas.openxmlformats.org/officeDocument/2006/relationships" xmlns:p="http://schemas.openxmlformats.org/presentationml/2006/main">
   <p:cSld>
+    <p:bg>
+      <p:bgPr>
+        <a:blipFill dpi="0" rotWithShape="1">
+          <a:blip r:embed="rId2">
+            <a:lum/>
+          </a:blip>
+          <a:srcRect/>
+          <a:stretch>
+            <a:fillRect/>
+          </a:stretch>
+        </a:blipFill>
+        <a:effectLst/>
+      </p:bgPr>
+    </p:bg>
     <p:spTree>
       <p:nvGrpSpPr>
         <p:cNvPr id="1" name=""/>
@@ -8132,52 +8596,173 @@
           <a:chExt cx="0" cy="0"/>
         </a:xfrm>
       </p:grpSpPr>
-      <p:sp>
-        <p:nvSpPr>
-          <p:cNvPr id="12" name="矩形 11"/>
-          <p:cNvSpPr/>
+      <p:pic>
+        <p:nvPicPr>
+          <p:cNvPr id="8" name="Picture 7"/>
+          <p:cNvPicPr>
+            <a:picLocks noChangeAspect="1"/>
+          </p:cNvPicPr>
           <p:nvPr/>
-        </p:nvSpPr>
+        </p:nvPicPr>
+        <p:blipFill>
+          <a:blip r:embed="rId3"/>
+          <a:stretch>
+            <a:fillRect/>
+          </a:stretch>
+        </p:blipFill>
         <p:spPr>
           <a:xfrm>
-            <a:off x="1948178" y="2267428"/>
-            <a:ext cx="8322471" cy="2123658"/>
+            <a:off x="2696457" y="2641127"/>
+            <a:ext cx="5842294" cy="3746858"/>
           </a:xfrm>
           <a:prstGeom prst="rect">
             <a:avLst/>
           </a:prstGeom>
-          <a:noFill/>
+        </p:spPr>
+      </p:pic>
+      <p:pic>
+        <p:nvPicPr>
+          <p:cNvPr id="2" name="Picture 1"/>
+          <p:cNvPicPr>
+            <a:picLocks noChangeAspect="1"/>
+          </p:cNvPicPr>
+          <p:nvPr/>
+        </p:nvPicPr>
+        <p:blipFill>
+          <a:blip r:embed="rId4"/>
+          <a:stretch>
+            <a:fillRect/>
+          </a:stretch>
+        </p:blipFill>
+        <p:spPr>
+          <a:xfrm>
+            <a:off x="2696457" y="2709437"/>
+            <a:ext cx="5842294" cy="3610238"/>
+          </a:xfrm>
+          <a:prstGeom prst="rect">
+            <a:avLst/>
+          </a:prstGeom>
+          <a:ln w="38100">
+            <a:solidFill>
+              <a:schemeClr val="tx1"/>
+            </a:solidFill>
+          </a:ln>
+        </p:spPr>
+      </p:pic>
+      <p:pic>
+        <p:nvPicPr>
+          <p:cNvPr id="3" name="Picture 2"/>
+          <p:cNvPicPr>
+            <a:picLocks noChangeAspect="1"/>
+          </p:cNvPicPr>
+          <p:nvPr/>
+        </p:nvPicPr>
+        <p:blipFill>
+          <a:blip r:embed="rId5"/>
+          <a:stretch>
+            <a:fillRect/>
+          </a:stretch>
+        </p:blipFill>
+        <p:spPr>
+          <a:xfrm>
+            <a:off x="3022042" y="1421560"/>
+            <a:ext cx="5191125" cy="914400"/>
+          </a:xfrm>
+          <a:prstGeom prst="rect">
+            <a:avLst/>
+          </a:prstGeom>
+        </p:spPr>
+      </p:pic>
+      <p:sp>
+        <p:nvSpPr>
+          <p:cNvPr id="4" name="Title 1"/>
+          <p:cNvSpPr>
+            <a:spLocks noGrp="1"/>
+          </p:cNvSpPr>
+          <p:nvPr>
+            <p:ph type="title"/>
+          </p:nvPr>
+        </p:nvSpPr>
+        <p:spPr>
+          <a:xfrm>
+            <a:off x="415157" y="211379"/>
+            <a:ext cx="11318619" cy="1325563"/>
+          </a:xfrm>
         </p:spPr>
         <p:txBody>
-          <a:bodyPr wrap="none">
-            <a:spAutoFit/>
-          </a:bodyPr>
+          <a:bodyPr/>
           <a:lstStyle/>
           <a:p>
-            <a:r>
-              <a:rPr lang="en-US" altLang="zh-CN" sz="6600" b="1" dirty="0" smtClean="0"/>
-              <a:t>Document Term Matrix</a:t>
-            </a:r>
-          </a:p>
-          <a:p>
-            <a:r>
-              <a:rPr lang="en-US" altLang="zh-CN" sz="6600" b="1" dirty="0" smtClean="0"/>
-              <a:t>Using Bag-of-Words</a:t>
-            </a:r>
-            <a:endParaRPr lang="zh-CN" altLang="en-US" sz="6600" b="1" dirty="0"/>
+            <a:pPr algn="ctr"/>
+            <a:r>
+              <a:rPr lang="en-US" b="1" dirty="0"/>
+              <a:t>Document Term </a:t>
+            </a:r>
+            <a:r>
+              <a:rPr lang="en-US" b="1" dirty="0" smtClean="0"/>
+              <a:t>Matrix </a:t>
+            </a:r>
+            <a:r>
+              <a:rPr lang="en-US" b="1" dirty="0"/>
+              <a:t>U</a:t>
+            </a:r>
+            <a:r>
+              <a:rPr lang="en-US" b="1" dirty="0" smtClean="0"/>
+              <a:t>sing </a:t>
+            </a:r>
+            <a:r>
+              <a:rPr lang="en-US" b="1" dirty="0"/>
+              <a:t>Bag-of-Words</a:t>
+            </a:r>
           </a:p>
         </p:txBody>
       </p:sp>
+      <p:pic>
+        <p:nvPicPr>
+          <p:cNvPr id="5" name="Picture 4"/>
+          <p:cNvPicPr>
+            <a:picLocks noChangeAspect="1"/>
+          </p:cNvPicPr>
+          <p:nvPr/>
+        </p:nvPicPr>
+        <p:blipFill>
+          <a:blip r:embed="rId6"/>
+          <a:stretch>
+            <a:fillRect/>
+          </a:stretch>
+        </p:blipFill>
+        <p:spPr>
+          <a:xfrm>
+            <a:off x="2507691" y="1421560"/>
+            <a:ext cx="6219825" cy="1095375"/>
+          </a:xfrm>
+          <a:prstGeom prst="rect">
+            <a:avLst/>
+          </a:prstGeom>
+        </p:spPr>
+      </p:pic>
     </p:spTree>
     <p:extLst>
       <p:ext uri="{BB962C8B-B14F-4D97-AF65-F5344CB8AC3E}">
-        <p14:creationId xmlns:p14="http://schemas.microsoft.com/office/powerpoint/2010/main" val="459563660"/>
+        <p14:creationId xmlns:p14="http://schemas.microsoft.com/office/powerpoint/2010/main" val="2077532814"/>
       </p:ext>
     </p:extLst>
   </p:cSld>
   <p:clrMapOvr>
     <a:masterClrMapping/>
   </p:clrMapOvr>
+  <mc:AlternateContent xmlns:mc="http://schemas.openxmlformats.org/markup-compatibility/2006">
+    <mc:Choice xmlns:p15="http://schemas.microsoft.com/office/powerpoint/2012/main" Requires="p15">
+      <p:transition xmlns:p14="http://schemas.microsoft.com/office/powerpoint/2010/main" spd="slow" p14:dur="2000">
+        <p15:prstTrans prst="fallOver"/>
+      </p:transition>
+    </mc:Choice>
+    <mc:Fallback>
+      <p:transition spd="slow">
+        <p:fade/>
+      </p:transition>
+    </mc:Fallback>
+  </mc:AlternateContent>
   <p:timing>
     <p:tnLst>
       <p:par>
@@ -8205,141 +8790,74 @@
           <a:chExt cx="0" cy="0"/>
         </a:xfrm>
       </p:grpSpPr>
-      <p:pic>
-        <p:nvPicPr>
-          <p:cNvPr id="8" name="Picture 7"/>
-          <p:cNvPicPr>
-            <a:picLocks noChangeAspect="1"/>
-          </p:cNvPicPr>
+      <p:sp>
+        <p:nvSpPr>
+          <p:cNvPr id="12" name="矩形 11"/>
+          <p:cNvSpPr/>
           <p:nvPr/>
-        </p:nvPicPr>
-        <p:blipFill>
-          <a:blip r:embed="rId2"/>
-          <a:stretch>
-            <a:fillRect/>
-          </a:stretch>
-        </p:blipFill>
+        </p:nvSpPr>
         <p:spPr>
           <a:xfrm>
-            <a:off x="2696457" y="2641127"/>
-            <a:ext cx="5842294" cy="3746858"/>
+            <a:off x="1549278" y="2727697"/>
+            <a:ext cx="6159956" cy="1446550"/>
           </a:xfrm>
           <a:prstGeom prst="rect">
             <a:avLst/>
           </a:prstGeom>
-        </p:spPr>
-      </p:pic>
-      <p:pic>
-        <p:nvPicPr>
-          <p:cNvPr id="2" name="Picture 1"/>
-          <p:cNvPicPr>
-            <a:picLocks noChangeAspect="1"/>
-          </p:cNvPicPr>
-          <p:nvPr/>
-        </p:nvPicPr>
-        <p:blipFill>
-          <a:blip r:embed="rId3"/>
-          <a:stretch>
-            <a:fillRect/>
-          </a:stretch>
-        </p:blipFill>
-        <p:spPr>
-          <a:xfrm>
-            <a:off x="2696457" y="2709437"/>
-            <a:ext cx="5842294" cy="3610238"/>
-          </a:xfrm>
-          <a:prstGeom prst="rect">
-            <a:avLst/>
-          </a:prstGeom>
-        </p:spPr>
-      </p:pic>
-      <p:pic>
-        <p:nvPicPr>
-          <p:cNvPr id="3" name="Picture 2"/>
-          <p:cNvPicPr>
-            <a:picLocks noChangeAspect="1"/>
-          </p:cNvPicPr>
-          <p:nvPr/>
-        </p:nvPicPr>
-        <p:blipFill>
-          <a:blip r:embed="rId4"/>
-          <a:stretch>
-            <a:fillRect/>
-          </a:stretch>
-        </p:blipFill>
-        <p:spPr>
-          <a:xfrm>
-            <a:off x="3022042" y="1421560"/>
-            <a:ext cx="5191125" cy="914400"/>
-          </a:xfrm>
-          <a:prstGeom prst="rect">
-            <a:avLst/>
-          </a:prstGeom>
-        </p:spPr>
-      </p:pic>
-      <p:sp>
-        <p:nvSpPr>
-          <p:cNvPr id="4" name="Title 1"/>
-          <p:cNvSpPr>
-            <a:spLocks noGrp="1"/>
-          </p:cNvSpPr>
-          <p:nvPr>
-            <p:ph type="title"/>
-          </p:nvPr>
-        </p:nvSpPr>
-        <p:spPr>
-          <a:xfrm>
-            <a:off x="807920" y="186831"/>
-            <a:ext cx="10515600" cy="1325563"/>
-          </a:xfrm>
+          <a:noFill/>
         </p:spPr>
         <p:txBody>
-          <a:bodyPr/>
+          <a:bodyPr wrap="none">
+            <a:spAutoFit/>
+          </a:bodyPr>
           <a:lstStyle/>
           <a:p>
-            <a:pPr algn="ctr"/>
-            <a:r>
-              <a:rPr lang="en-US" dirty="0" smtClean="0"/>
-              <a:t>Tokenization</a:t>
-            </a:r>
-            <a:endParaRPr lang="en-US" dirty="0"/>
+            <a:r>
+              <a:rPr lang="en-US" altLang="zh-CN" sz="8800" b="1" dirty="0" smtClean="0">
+                <a:effectLst>
+                  <a:outerShdw blurRad="38100" dist="38100" dir="2700000" algn="tl">
+                    <a:srgbClr val="000000">
+                      <a:alpha val="43137"/>
+                    </a:srgbClr>
+                  </a:outerShdw>
+                </a:effectLst>
+              </a:rPr>
+              <a:t>Visualization</a:t>
+            </a:r>
+            <a:endParaRPr lang="zh-CN" altLang="en-US" sz="8800" b="1" dirty="0">
+              <a:effectLst>
+                <a:outerShdw blurRad="38100" dist="38100" dir="2700000" algn="tl">
+                  <a:srgbClr val="000000">
+                    <a:alpha val="43137"/>
+                  </a:srgbClr>
+                </a:outerShdw>
+              </a:effectLst>
+            </a:endParaRPr>
           </a:p>
         </p:txBody>
       </p:sp>
-      <p:pic>
-        <p:nvPicPr>
-          <p:cNvPr id="5" name="Picture 4"/>
-          <p:cNvPicPr>
-            <a:picLocks noChangeAspect="1"/>
-          </p:cNvPicPr>
-          <p:nvPr/>
-        </p:nvPicPr>
-        <p:blipFill>
-          <a:blip r:embed="rId5"/>
-          <a:stretch>
-            <a:fillRect/>
-          </a:stretch>
-        </p:blipFill>
-        <p:spPr>
-          <a:xfrm>
-            <a:off x="2507691" y="1421560"/>
-            <a:ext cx="6219825" cy="1095375"/>
-          </a:xfrm>
-          <a:prstGeom prst="rect">
-            <a:avLst/>
-          </a:prstGeom>
-        </p:spPr>
-      </p:pic>
     </p:spTree>
     <p:extLst>
       <p:ext uri="{BB962C8B-B14F-4D97-AF65-F5344CB8AC3E}">
-        <p14:creationId xmlns:p14="http://schemas.microsoft.com/office/powerpoint/2010/main" val="2077532814"/>
+        <p14:creationId xmlns:p14="http://schemas.microsoft.com/office/powerpoint/2010/main" val="459563660"/>
       </p:ext>
     </p:extLst>
   </p:cSld>
   <p:clrMapOvr>
     <a:masterClrMapping/>
   </p:clrMapOvr>
+  <mc:AlternateContent xmlns:mc="http://schemas.openxmlformats.org/markup-compatibility/2006">
+    <mc:Choice xmlns:p14="http://schemas.microsoft.com/office/powerpoint/2010/main" Requires="p14">
+      <p:transition spd="slow" p14:dur="1250">
+        <p14:flip dir="r"/>
+      </p:transition>
+    </mc:Choice>
+    <mc:Fallback>
+      <p:transition spd="slow">
+        <p:fade/>
+      </p:transition>
+    </mc:Fallback>
+  </mc:AlternateContent>
   <p:timing>
     <p:tnLst>
       <p:par>

--- a/Presentation1.pptx
+++ b/Presentation1.pptx
@@ -5009,11 +5009,11 @@
   <p:clrMapOvr>
     <a:masterClrMapping/>
   </p:clrMapOvr>
-  <mc:AlternateContent xmlns:mc="http://schemas.openxmlformats.org/markup-compatibility/2006">
-    <mc:Choice xmlns:p14="http://schemas.microsoft.com/office/powerpoint/2010/main" Requires="p14">
+  <mc:AlternateContent xmlns:mc="http://schemas.openxmlformats.org/markup-compatibility/2006" xmlns:p14="http://schemas.microsoft.com/office/powerpoint/2010/main">
+    <mc:Choice Requires="p14">
       <p:transition p14:dur="0"/>
     </mc:Choice>
-    <mc:Fallback>
+    <mc:Fallback xmlns="">
       <p:transition/>
     </mc:Fallback>
   </mc:AlternateContent>
@@ -5149,8 +5149,17 @@
             </a:r>
             <a:r>
               <a:rPr lang="en-US" b="1" dirty="0"/>
-              <a:t>Frequent words</a:t>
-            </a:r>
+              <a:t>Frequent </a:t>
+            </a:r>
+            <a:r>
+              <a:rPr lang="en-US" b="1" dirty="0" smtClean="0"/>
+              <a:t>words </a:t>
+            </a:r>
+            <a:r>
+              <a:rPr lang="en-US" altLang="zh-CN" b="1" dirty="0" smtClean="0"/>
+              <a:t>- Overall</a:t>
+            </a:r>
+            <a:endParaRPr lang="en-US" b="1" dirty="0"/>
           </a:p>
         </p:txBody>
       </p:sp>
@@ -5164,6 +5173,9 @@
   <p:clrMapOvr>
     <a:masterClrMapping/>
   </p:clrMapOvr>
+  <p:transition spd="med">
+    <p:pull dir="u"/>
+  </p:transition>
   <p:timing>
     <p:tnLst>
       <p:par>
@@ -5207,18 +5219,18 @@
           <a:lstStyle/>
           <a:p>
             <a:r>
-              <a:rPr lang="en-US" dirty="0" smtClean="0"/>
+              <a:rPr lang="en-US" b="1" dirty="0" smtClean="0"/>
               <a:t>Most </a:t>
             </a:r>
             <a:r>
-              <a:rPr lang="en-US" dirty="0"/>
+              <a:rPr lang="en-US" b="1" dirty="0"/>
               <a:t>Frequent </a:t>
             </a:r>
             <a:r>
-              <a:rPr lang="en-US" dirty="0" smtClean="0"/>
+              <a:rPr lang="en-US" b="1" dirty="0" smtClean="0"/>
               <a:t>words by sentiment - Positive</a:t>
             </a:r>
-            <a:endParaRPr lang="en-US" dirty="0"/>
+            <a:endParaRPr lang="en-US" b="1" dirty="0"/>
           </a:p>
         </p:txBody>
       </p:sp>
@@ -5333,18 +5345,18 @@
           <a:lstStyle/>
           <a:p>
             <a:r>
-              <a:rPr lang="en-US" dirty="0" smtClean="0"/>
+              <a:rPr lang="en-US" b="1" dirty="0" smtClean="0"/>
               <a:t>Most </a:t>
             </a:r>
             <a:r>
-              <a:rPr lang="en-US" dirty="0"/>
+              <a:rPr lang="en-US" b="1" dirty="0"/>
               <a:t>Frequent </a:t>
             </a:r>
             <a:r>
-              <a:rPr lang="en-US" dirty="0" smtClean="0"/>
+              <a:rPr lang="en-US" b="1" dirty="0" smtClean="0"/>
               <a:t>words by sentiment - Negative</a:t>
             </a:r>
-            <a:endParaRPr lang="en-US" dirty="0"/>
+            <a:endParaRPr lang="en-US" b="1" dirty="0"/>
           </a:p>
         </p:txBody>
       </p:sp>
@@ -5459,18 +5471,18 @@
           <a:lstStyle/>
           <a:p>
             <a:r>
-              <a:rPr lang="en-US" dirty="0" smtClean="0"/>
+              <a:rPr lang="en-US" b="1" dirty="0" smtClean="0"/>
               <a:t>Most </a:t>
             </a:r>
             <a:r>
-              <a:rPr lang="en-US" dirty="0"/>
+              <a:rPr lang="en-US" b="1" dirty="0"/>
               <a:t>Frequent </a:t>
             </a:r>
             <a:r>
-              <a:rPr lang="en-US" dirty="0" smtClean="0"/>
+              <a:rPr lang="en-US" b="1" dirty="0" smtClean="0"/>
               <a:t>words by sentiment - Neutral</a:t>
             </a:r>
-            <a:endParaRPr lang="en-US" dirty="0"/>
+            <a:endParaRPr lang="en-US" b="1" dirty="0"/>
           </a:p>
         </p:txBody>
       </p:sp>
@@ -5625,18 +5637,9 @@
   <p:clrMapOvr>
     <a:masterClrMapping/>
   </p:clrMapOvr>
-  <mc:AlternateContent xmlns:mc="http://schemas.openxmlformats.org/markup-compatibility/2006">
-    <mc:Choice xmlns:p14="http://schemas.microsoft.com/office/powerpoint/2010/main" Requires="p14">
-      <p:transition spd="slow" p14:dur="1250">
-        <p14:flip dir="r"/>
-      </p:transition>
-    </mc:Choice>
-    <mc:Fallback>
-      <p:transition spd="slow">
-        <p:fade/>
-      </p:transition>
-    </mc:Fallback>
-  </mc:AlternateContent>
+  <p:transition spd="slow">
+    <p:cover dir="d"/>
+  </p:transition>
   <p:timing>
     <p:tnLst>
       <p:par>
@@ -5711,7 +5714,7 @@
         <p:spPr>
           <a:xfrm>
             <a:off x="274747" y="5073365"/>
-            <a:ext cx="9714006" cy="1569660"/>
+            <a:ext cx="9714006" cy="1077218"/>
           </a:xfrm>
           <a:prstGeom prst="rect">
             <a:avLst/>
@@ -5730,7 +5733,7 @@
                   <a:schemeClr val="bg1"/>
                 </a:solidFill>
               </a:rPr>
-              <a:t>Reference</a:t>
+              <a:t>Project </a:t>
             </a:r>
             <a:r>
               <a:rPr lang="en-US" altLang="zh-CN" sz="3200" dirty="0">
@@ -5738,41 +5741,7 @@
                   <a:schemeClr val="bg1"/>
                 </a:solidFill>
               </a:rPr>
-              <a:t>: </a:t>
-            </a:r>
-            <a:r>
-              <a:rPr lang="en-US" altLang="zh-CN" sz="3200" dirty="0" err="1">
-                <a:solidFill>
-                  <a:schemeClr val="bg1"/>
-                </a:solidFill>
-              </a:rPr>
-              <a:t>MITx</a:t>
-            </a:r>
-            <a:r>
-              <a:rPr lang="en-US" altLang="zh-CN" sz="3200" dirty="0">
-                <a:solidFill>
-                  <a:schemeClr val="bg1"/>
-                </a:solidFill>
-              </a:rPr>
-              <a:t>: 15.071x The Analytics </a:t>
-            </a:r>
-            <a:r>
-              <a:rPr lang="en-US" altLang="zh-CN" sz="3200" dirty="0" smtClean="0">
-                <a:solidFill>
-                  <a:schemeClr val="bg1"/>
-                </a:solidFill>
-              </a:rPr>
-              <a:t>Edge</a:t>
-            </a:r>
-          </a:p>
-          <a:p>
-            <a:r>
-              <a:rPr lang="en-US" altLang="zh-CN" sz="3200" dirty="0">
-                <a:solidFill>
-                  <a:schemeClr val="bg1"/>
-                </a:solidFill>
-              </a:rPr>
-              <a:t>Project URL: </a:t>
+              <a:t>URL: </a:t>
             </a:r>
             <a:endParaRPr lang="en-US" altLang="zh-CN" sz="3200" dirty="0" smtClean="0">
               <a:solidFill>
@@ -5797,11 +5766,6 @@
               </a:rPr>
               <a:t>://github.com/lxy11282/Simple-Tweet-Text-Analysis</a:t>
             </a:r>
-            <a:endParaRPr lang="en-US" altLang="zh-CN" sz="3200" dirty="0">
-              <a:solidFill>
-                <a:schemeClr val="bg1"/>
-              </a:solidFill>
-            </a:endParaRPr>
           </a:p>
         </p:txBody>
       </p:sp>
@@ -5815,11 +5779,11 @@
   <p:clrMapOvr>
     <a:masterClrMapping/>
   </p:clrMapOvr>
-  <mc:AlternateContent xmlns:mc="http://schemas.openxmlformats.org/markup-compatibility/2006">
-    <mc:Choice xmlns:p14="http://schemas.microsoft.com/office/powerpoint/2010/main" Requires="p14">
+  <mc:AlternateContent xmlns:mc="http://schemas.openxmlformats.org/markup-compatibility/2006" xmlns:p14="http://schemas.microsoft.com/office/powerpoint/2010/main">
+    <mc:Choice Requires="p14">
       <p:transition p14:dur="0"/>
     </mc:Choice>
-    <mc:Fallback>
+    <mc:Fallback xmlns="">
       <p:transition/>
     </mc:Fallback>
   </mc:AlternateContent>
@@ -6037,7 +6001,7 @@
           </a:ln>
           <a:extLst>
             <a:ext uri="{C572A759-6A51-4108-AA02-DFA0A04FC94B}">
-              <ma14:wrappingTextBoxFlag xmlns="" xmlns:ma14="http://schemas.microsoft.com/office/mac/drawingml/2011/main" val="1"/>
+              <ma14:wrappingTextBoxFlag xmlns:ma14="http://schemas.microsoft.com/office/mac/drawingml/2011/main" xmlns="" val="1"/>
             </a:ext>
           </a:extLst>
         </p:spPr>
@@ -6058,7 +6022,16 @@
               <a:t>SuperSteveJobsFan</a:t>
             </a:r>
             <a:r>
-              <a:rPr sz="2400" dirty="0" err="1" smtClean="0">
+              <a:rPr lang="en-US" sz="2800" dirty="0" smtClean="0">
+                <a:latin typeface="Arial Bold"/>
+                <a:ea typeface="Arial"/>
+                <a:cs typeface="Arial Bold"/>
+                <a:sym typeface="Arial Bold"/>
+              </a:rPr>
+              <a:t> </a:t>
+            </a:r>
+            <a:r>
+              <a:rPr sz="2400" dirty="0" smtClean="0">
                 <a:solidFill>
                   <a:srgbClr val="A6A6A6"/>
                 </a:solidFill>
@@ -6209,7 +6182,7 @@
           </a:ln>
           <a:extLst>
             <a:ext uri="{C572A759-6A51-4108-AA02-DFA0A04FC94B}">
-              <ma14:wrappingTextBoxFlag xmlns="" xmlns:ma14="http://schemas.microsoft.com/office/mac/drawingml/2011/main" val="1"/>
+              <ma14:wrappingTextBoxFlag xmlns:ma14="http://schemas.microsoft.com/office/mac/drawingml/2011/main" xmlns="" val="1"/>
             </a:ext>
           </a:extLst>
         </p:spPr>
@@ -6299,23 +6272,56 @@
           <a:p>
             <a:pPr lvl="0"/>
             <a:r>
+              <a:rPr lang="en-US" sz="2800" dirty="0" err="1">
+                <a:latin typeface="Arial"/>
+                <a:ea typeface="Arial"/>
+                <a:cs typeface="Arial"/>
+                <a:sym typeface="Arial"/>
+              </a:rPr>
+              <a:t>iphone</a:t>
+            </a:r>
+            <a:r>
               <a:rPr lang="en-US" sz="2800" dirty="0">
                 <a:latin typeface="Arial"/>
                 <a:ea typeface="Arial"/>
                 <a:cs typeface="Arial"/>
                 <a:sym typeface="Arial"/>
               </a:rPr>
-              <a:t>you guys are cheep little freaks and I hope u get testicular cancer and loose a nut @</a:t>
-            </a:r>
-            <a:r>
-              <a:rPr lang="en-US" sz="2800" dirty="0" smtClean="0">
+              <a:t> 5c is ugly as heck what the freak </a:t>
+            </a:r>
+            <a:r>
+              <a:rPr lang="en-US" sz="2800" dirty="0">
+                <a:solidFill>
+                  <a:srgbClr val="31859C"/>
+                </a:solidFill>
                 <a:latin typeface="Arial"/>
                 <a:ea typeface="Arial"/>
                 <a:cs typeface="Arial"/>
                 <a:sym typeface="Arial"/>
               </a:rPr>
-              <a:t>apple</a:t>
-            </a:r>
+              <a:t>@apple @</a:t>
+            </a:r>
+            <a:r>
+              <a:rPr lang="en-US" sz="2800" dirty="0" err="1">
+                <a:solidFill>
+                  <a:srgbClr val="31859C"/>
+                </a:solidFill>
+                <a:latin typeface="Arial"/>
+                <a:ea typeface="Arial"/>
+                <a:cs typeface="Arial"/>
+                <a:sym typeface="Arial"/>
+              </a:rPr>
+              <a:t>iphonecompanies</a:t>
+            </a:r>
+            <a:endParaRPr lang="en-US" sz="2800" dirty="0">
+              <a:solidFill>
+                <a:srgbClr val="31859C"/>
+              </a:solidFill>
+              <a:latin typeface="Arial"/>
+              <a:ea typeface="Arial"/>
+              <a:cs typeface="Arial"/>
+              <a:sym typeface="Arial"/>
+            </a:endParaRPr>
           </a:p>
           <a:p>
             <a:pPr lvl="0"/>
@@ -6585,13 +6591,13 @@
   <p:clrMapOvr>
     <a:masterClrMapping/>
   </p:clrMapOvr>
-  <mc:AlternateContent xmlns:mc="http://schemas.openxmlformats.org/markup-compatibility/2006">
-    <mc:Choice xmlns:p14="http://schemas.microsoft.com/office/powerpoint/2010/main" Requires="p14">
+  <mc:AlternateContent xmlns:mc="http://schemas.openxmlformats.org/markup-compatibility/2006" xmlns:p14="http://schemas.microsoft.com/office/powerpoint/2010/main">
+    <mc:Choice Requires="p14">
       <p:transition>
         <p14:reveal/>
       </p:transition>
     </mc:Choice>
-    <mc:Fallback>
+    <mc:Fallback xmlns="">
       <p:transition>
         <p:fade/>
       </p:transition>
@@ -7043,18 +7049,9 @@
   <p:clrMapOvr>
     <a:masterClrMapping/>
   </p:clrMapOvr>
-  <mc:AlternateContent xmlns:mc="http://schemas.openxmlformats.org/markup-compatibility/2006">
-    <mc:Choice xmlns:p14="http://schemas.microsoft.com/office/powerpoint/2010/main" Requires="p14">
-      <p:transition spd="slow" p14:dur="1250">
-        <p14:flip dir="r"/>
-      </p:transition>
-    </mc:Choice>
-    <mc:Fallback>
-      <p:transition spd="slow">
-        <p:fade/>
-      </p:transition>
-    </mc:Fallback>
-  </mc:AlternateContent>
+  <p:transition spd="slow">
+    <p:cover dir="d"/>
+  </p:transition>
   <p:timing>
     <p:tnLst>
       <p:par>
@@ -7124,8 +7121,8 @@
           </a:p>
         </p:txBody>
       </p:sp>
-      <mc:AlternateContent xmlns:mc="http://schemas.openxmlformats.org/markup-compatibility/2006">
-        <mc:Choice xmlns:cx1="http://schemas.microsoft.com/office/drawing/2015/9/8/chartex" Requires="cx1">
+      <mc:AlternateContent xmlns:mc="http://schemas.openxmlformats.org/markup-compatibility/2006" xmlns:cx1="http://schemas.microsoft.com/office/drawing/2015/9/8/chartex">
+        <mc:Choice Requires="cx1">
           <p:graphicFrame>
             <p:nvGraphicFramePr>
               <p:cNvPr id="4" name="Chart 3"/>
@@ -7149,7 +7146,7 @@
             </a:graphic>
           </p:graphicFrame>
         </mc:Choice>
-        <mc:Fallback>
+        <mc:Fallback xmlns="">
           <p:pic>
             <p:nvPicPr>
               <p:cNvPr id="4" name="Chart 3"/>
@@ -7598,15 +7595,7 @@
               <a:srgbClr val="FFFFFF"/>
             </a:contourClr>
           </a:sp3d>
-          <a:extLst>
-            <a:ext uri="{909E8E84-426E-40DD-AFC4-6F175D3DCCD1}">
-              <a14:hiddenFill xmlns:a14="http://schemas.microsoft.com/office/drawing/2010/main">
-                <a:solidFill>
-                  <a:srgbClr val="FFFFFF"/>
-                </a:solidFill>
-              </a14:hiddenFill>
-            </a:ext>
-          </a:extLst>
+          <a:extLst/>
         </p:spPr>
       </p:pic>
     </p:spTree>
@@ -7754,9 +7743,14 @@
   <p:clrMapOvr>
     <a:masterClrMapping/>
   </p:clrMapOvr>
-  <p:transition spd="med">
-    <p:pull/>
-  </p:transition>
+  <mc:AlternateContent xmlns:mc="http://schemas.openxmlformats.org/markup-compatibility/2006">
+    <mc:Choice xmlns:p14="http://schemas.microsoft.com/office/powerpoint/2010/main" Requires="p14">
+      <p:transition p14:dur="0"/>
+    </mc:Choice>
+    <mc:Fallback>
+      <p:transition/>
+    </mc:Fallback>
+  </mc:AlternateContent>
   <p:timing>
     <p:tnLst>
       <p:par>
@@ -8142,9 +8136,14 @@
   <p:clrMapOvr>
     <a:masterClrMapping/>
   </p:clrMapOvr>
-  <p:transition spd="med">
-    <p:pull/>
-  </p:transition>
+  <mc:AlternateContent xmlns:mc="http://schemas.openxmlformats.org/markup-compatibility/2006">
+    <mc:Choice xmlns:p14="http://schemas.microsoft.com/office/powerpoint/2010/main" Requires="p14">
+      <p:transition p14:dur="0"/>
+    </mc:Choice>
+    <mc:Fallback>
+      <p:transition/>
+    </mc:Fallback>
+  </mc:AlternateContent>
   <p:timing>
     <p:tnLst>
       <p:par>
@@ -8752,15 +8751,11 @@
     <a:masterClrMapping/>
   </p:clrMapOvr>
   <mc:AlternateContent xmlns:mc="http://schemas.openxmlformats.org/markup-compatibility/2006">
-    <mc:Choice xmlns:p15="http://schemas.microsoft.com/office/powerpoint/2012/main" Requires="p15">
-      <p:transition xmlns:p14="http://schemas.microsoft.com/office/powerpoint/2010/main" spd="slow" p14:dur="2000">
-        <p15:prstTrans prst="fallOver"/>
-      </p:transition>
+    <mc:Choice xmlns:p14="http://schemas.microsoft.com/office/powerpoint/2010/main" Requires="p14">
+      <p:transition p14:dur="0"/>
     </mc:Choice>
     <mc:Fallback>
-      <p:transition spd="slow">
-        <p:fade/>
-      </p:transition>
+      <p:transition/>
     </mc:Fallback>
   </mc:AlternateContent>
   <p:timing>
@@ -8846,18 +8841,9 @@
   <p:clrMapOvr>
     <a:masterClrMapping/>
   </p:clrMapOvr>
-  <mc:AlternateContent xmlns:mc="http://schemas.openxmlformats.org/markup-compatibility/2006">
-    <mc:Choice xmlns:p14="http://schemas.microsoft.com/office/powerpoint/2010/main" Requires="p14">
-      <p:transition spd="slow" p14:dur="1250">
-        <p14:flip dir="r"/>
-      </p:transition>
-    </mc:Choice>
-    <mc:Fallback>
-      <p:transition spd="slow">
-        <p:fade/>
-      </p:transition>
-    </mc:Fallback>
-  </mc:AlternateContent>
+  <p:transition spd="slow">
+    <p:cover dir="d"/>
+  </p:transition>
   <p:timing>
     <p:tnLst>
       <p:par>
